--- a/Images/fig1b.pptx
+++ b/Images/fig1b.pptx
@@ -197,7 +197,7 @@
           <a:p>
             <a:fld id="{D34CEA9E-E5A5-49C8-A578-AF124664FEC0}" type="datetimeFigureOut">
               <a:rPr lang="en-US" smtClean="0"/>
-              <a:t>6/25/2021</a:t>
+              <a:t>8/9/2021</a:t>
             </a:fld>
             <a:endParaRPr lang="en-US"/>
           </a:p>
@@ -684,7 +684,7 @@
           <a:p>
             <a:fld id="{BA05AF01-4F0E-4718-A4C1-DFCBB47EE5F2}" type="datetimeFigureOut">
               <a:rPr lang="en-US" smtClean="0"/>
-              <a:t>6/25/2021</a:t>
+              <a:t>8/9/2021</a:t>
             </a:fld>
             <a:endParaRPr lang="en-US"/>
           </a:p>
@@ -854,7 +854,7 @@
           <a:p>
             <a:fld id="{BA05AF01-4F0E-4718-A4C1-DFCBB47EE5F2}" type="datetimeFigureOut">
               <a:rPr lang="en-US" smtClean="0"/>
-              <a:t>6/25/2021</a:t>
+              <a:t>8/9/2021</a:t>
             </a:fld>
             <a:endParaRPr lang="en-US"/>
           </a:p>
@@ -1034,7 +1034,7 @@
           <a:p>
             <a:fld id="{BA05AF01-4F0E-4718-A4C1-DFCBB47EE5F2}" type="datetimeFigureOut">
               <a:rPr lang="en-US" smtClean="0"/>
-              <a:t>6/25/2021</a:t>
+              <a:t>8/9/2021</a:t>
             </a:fld>
             <a:endParaRPr lang="en-US"/>
           </a:p>
@@ -1204,7 +1204,7 @@
           <a:p>
             <a:fld id="{BA05AF01-4F0E-4718-A4C1-DFCBB47EE5F2}" type="datetimeFigureOut">
               <a:rPr lang="en-US" smtClean="0"/>
-              <a:t>6/25/2021</a:t>
+              <a:t>8/9/2021</a:t>
             </a:fld>
             <a:endParaRPr lang="en-US"/>
           </a:p>
@@ -1448,7 +1448,7 @@
           <a:p>
             <a:fld id="{BA05AF01-4F0E-4718-A4C1-DFCBB47EE5F2}" type="datetimeFigureOut">
               <a:rPr lang="en-US" smtClean="0"/>
-              <a:t>6/25/2021</a:t>
+              <a:t>8/9/2021</a:t>
             </a:fld>
             <a:endParaRPr lang="en-US"/>
           </a:p>
@@ -1680,7 +1680,7 @@
           <a:p>
             <a:fld id="{BA05AF01-4F0E-4718-A4C1-DFCBB47EE5F2}" type="datetimeFigureOut">
               <a:rPr lang="en-US" smtClean="0"/>
-              <a:t>6/25/2021</a:t>
+              <a:t>8/9/2021</a:t>
             </a:fld>
             <a:endParaRPr lang="en-US"/>
           </a:p>
@@ -2047,7 +2047,7 @@
           <a:p>
             <a:fld id="{BA05AF01-4F0E-4718-A4C1-DFCBB47EE5F2}" type="datetimeFigureOut">
               <a:rPr lang="en-US" smtClean="0"/>
-              <a:t>6/25/2021</a:t>
+              <a:t>8/9/2021</a:t>
             </a:fld>
             <a:endParaRPr lang="en-US"/>
           </a:p>
@@ -2165,7 +2165,7 @@
           <a:p>
             <a:fld id="{BA05AF01-4F0E-4718-A4C1-DFCBB47EE5F2}" type="datetimeFigureOut">
               <a:rPr lang="en-US" smtClean="0"/>
-              <a:t>6/25/2021</a:t>
+              <a:t>8/9/2021</a:t>
             </a:fld>
             <a:endParaRPr lang="en-US"/>
           </a:p>
@@ -2260,7 +2260,7 @@
           <a:p>
             <a:fld id="{BA05AF01-4F0E-4718-A4C1-DFCBB47EE5F2}" type="datetimeFigureOut">
               <a:rPr lang="en-US" smtClean="0"/>
-              <a:t>6/25/2021</a:t>
+              <a:t>8/9/2021</a:t>
             </a:fld>
             <a:endParaRPr lang="en-US"/>
           </a:p>
@@ -2537,7 +2537,7 @@
           <a:p>
             <a:fld id="{BA05AF01-4F0E-4718-A4C1-DFCBB47EE5F2}" type="datetimeFigureOut">
               <a:rPr lang="en-US" smtClean="0"/>
-              <a:t>6/25/2021</a:t>
+              <a:t>8/9/2021</a:t>
             </a:fld>
             <a:endParaRPr lang="en-US"/>
           </a:p>
@@ -2794,7 +2794,7 @@
           <a:p>
             <a:fld id="{BA05AF01-4F0E-4718-A4C1-DFCBB47EE5F2}" type="datetimeFigureOut">
               <a:rPr lang="en-US" smtClean="0"/>
-              <a:t>6/25/2021</a:t>
+              <a:t>8/9/2021</a:t>
             </a:fld>
             <a:endParaRPr lang="en-US"/>
           </a:p>
@@ -3007,7 +3007,7 @@
           <a:p>
             <a:fld id="{BA05AF01-4F0E-4718-A4C1-DFCBB47EE5F2}" type="datetimeFigureOut">
               <a:rPr lang="en-US" smtClean="0"/>
-              <a:t>6/25/2021</a:t>
+              <a:t>8/9/2021</a:t>
             </a:fld>
             <a:endParaRPr lang="en-US"/>
           </a:p>
@@ -7645,6 +7645,412 @@
           </p:txBody>
         </p:sp>
       </p:grpSp>
+      <p:sp>
+        <p:nvSpPr>
+          <p:cNvPr id="4" name="TextBox 3">
+            <a:extLst>
+              <a:ext uri="{FF2B5EF4-FFF2-40B4-BE49-F238E27FC236}">
+                <a16:creationId xmlns:a16="http://schemas.microsoft.com/office/drawing/2014/main" id="{063F8754-7798-469C-B91C-3C603F873ED9}"/>
+              </a:ext>
+            </a:extLst>
+          </p:cNvPr>
+          <p:cNvSpPr txBox="1"/>
+          <p:nvPr/>
+        </p:nvSpPr>
+        <p:spPr>
+          <a:xfrm>
+            <a:off x="3832249" y="8652273"/>
+            <a:ext cx="877163" cy="369332"/>
+          </a:xfrm>
+          <a:prstGeom prst="rect">
+            <a:avLst/>
+          </a:prstGeom>
+          <a:solidFill>
+            <a:srgbClr val="FFFFFF"/>
+          </a:solidFill>
+        </p:spPr>
+        <p:txBody>
+          <a:bodyPr wrap="none" rtlCol="0">
+            <a:spAutoFit/>
+          </a:bodyPr>
+          <a:lstStyle/>
+          <a:p>
+            <a:r>
+              <a:rPr lang="en-US" dirty="0">
+                <a:latin typeface="Times New Roman" panose="02020603050405020304" pitchFamily="18" charset="0"/>
+                <a:cs typeface="Times New Roman" panose="02020603050405020304" pitchFamily="18" charset="0"/>
+              </a:rPr>
+              <a:t>Overall</a:t>
+            </a:r>
+          </a:p>
+        </p:txBody>
+      </p:sp>
+      <p:sp>
+        <p:nvSpPr>
+          <p:cNvPr id="92" name="TextBox 91">
+            <a:extLst>
+              <a:ext uri="{FF2B5EF4-FFF2-40B4-BE49-F238E27FC236}">
+                <a16:creationId xmlns:a16="http://schemas.microsoft.com/office/drawing/2014/main" id="{030D107C-DC61-4619-8D88-FA61758804A7}"/>
+              </a:ext>
+            </a:extLst>
+          </p:cNvPr>
+          <p:cNvSpPr txBox="1"/>
+          <p:nvPr/>
+        </p:nvSpPr>
+        <p:spPr>
+          <a:xfrm>
+            <a:off x="10597732" y="8680842"/>
+            <a:ext cx="1551643" cy="369332"/>
+          </a:xfrm>
+          <a:prstGeom prst="rect">
+            <a:avLst/>
+          </a:prstGeom>
+          <a:solidFill>
+            <a:srgbClr val="FFFFFF"/>
+          </a:solidFill>
+        </p:spPr>
+        <p:txBody>
+          <a:bodyPr wrap="none" rtlCol="0">
+            <a:spAutoFit/>
+          </a:bodyPr>
+          <a:lstStyle/>
+          <a:p>
+            <a:r>
+              <a:rPr lang="en-US" dirty="0">
+                <a:latin typeface="Times New Roman" panose="02020603050405020304" pitchFamily="18" charset="0"/>
+                <a:cs typeface="Times New Roman" panose="02020603050405020304" pitchFamily="18" charset="0"/>
+              </a:rPr>
+              <a:t>Different Tests</a:t>
+            </a:r>
+          </a:p>
+        </p:txBody>
+      </p:sp>
+      <p:sp>
+        <p:nvSpPr>
+          <p:cNvPr id="93" name="TextBox 92">
+            <a:extLst>
+              <a:ext uri="{FF2B5EF4-FFF2-40B4-BE49-F238E27FC236}">
+                <a16:creationId xmlns:a16="http://schemas.microsoft.com/office/drawing/2014/main" id="{1E14ECEE-793A-4CEE-B64C-76B63C45DF64}"/>
+              </a:ext>
+            </a:extLst>
+          </p:cNvPr>
+          <p:cNvSpPr txBox="1"/>
+          <p:nvPr/>
+        </p:nvSpPr>
+        <p:spPr>
+          <a:xfrm>
+            <a:off x="3851309" y="13550186"/>
+            <a:ext cx="787395" cy="369332"/>
+          </a:xfrm>
+          <a:prstGeom prst="rect">
+            <a:avLst/>
+          </a:prstGeom>
+          <a:solidFill>
+            <a:srgbClr val="FFFFFF"/>
+          </a:solidFill>
+        </p:spPr>
+        <p:txBody>
+          <a:bodyPr wrap="none" rtlCol="0">
+            <a:spAutoFit/>
+          </a:bodyPr>
+          <a:lstStyle/>
+          <a:p>
+            <a:r>
+              <a:rPr lang="en-US" dirty="0">
+                <a:latin typeface="Times New Roman" panose="02020603050405020304" pitchFamily="18" charset="0"/>
+                <a:cs typeface="Times New Roman" panose="02020603050405020304" pitchFamily="18" charset="0"/>
+              </a:rPr>
+              <a:t>Model</a:t>
+            </a:r>
+          </a:p>
+        </p:txBody>
+      </p:sp>
+      <p:sp>
+        <p:nvSpPr>
+          <p:cNvPr id="94" name="TextBox 93">
+            <a:extLst>
+              <a:ext uri="{FF2B5EF4-FFF2-40B4-BE49-F238E27FC236}">
+                <a16:creationId xmlns:a16="http://schemas.microsoft.com/office/drawing/2014/main" id="{A7ED16B5-CE99-4A4E-B4F9-750742536B96}"/>
+              </a:ext>
+            </a:extLst>
+          </p:cNvPr>
+          <p:cNvSpPr txBox="1"/>
+          <p:nvPr/>
+        </p:nvSpPr>
+        <p:spPr>
+          <a:xfrm>
+            <a:off x="1815878" y="13433807"/>
+            <a:ext cx="1415772" cy="369332"/>
+          </a:xfrm>
+          <a:prstGeom prst="rect">
+            <a:avLst/>
+          </a:prstGeom>
+          <a:solidFill>
+            <a:srgbClr val="FFFFFF"/>
+          </a:solidFill>
+        </p:spPr>
+        <p:txBody>
+          <a:bodyPr wrap="none" rtlCol="0">
+            <a:spAutoFit/>
+          </a:bodyPr>
+          <a:lstStyle/>
+          <a:p>
+            <a:r>
+              <a:rPr lang="en-US" dirty="0">
+                <a:latin typeface="Times New Roman" panose="02020603050405020304" pitchFamily="18" charset="0"/>
+                <a:cs typeface="Times New Roman" panose="02020603050405020304" pitchFamily="18" charset="0"/>
+              </a:rPr>
+              <a:t>DeepPurpose</a:t>
+            </a:r>
+          </a:p>
+        </p:txBody>
+      </p:sp>
+      <p:sp>
+        <p:nvSpPr>
+          <p:cNvPr id="95" name="TextBox 94">
+            <a:extLst>
+              <a:ext uri="{FF2B5EF4-FFF2-40B4-BE49-F238E27FC236}">
+                <a16:creationId xmlns:a16="http://schemas.microsoft.com/office/drawing/2014/main" id="{B494D059-E312-4DAD-BDF7-9DD64E49E0C2}"/>
+              </a:ext>
+            </a:extLst>
+          </p:cNvPr>
+          <p:cNvSpPr txBox="1"/>
+          <p:nvPr/>
+        </p:nvSpPr>
+        <p:spPr>
+          <a:xfrm>
+            <a:off x="5087057" y="13433807"/>
+            <a:ext cx="2140330" cy="369332"/>
+          </a:xfrm>
+          <a:prstGeom prst="rect">
+            <a:avLst/>
+          </a:prstGeom>
+          <a:solidFill>
+            <a:srgbClr val="FFFFFF"/>
+          </a:solidFill>
+        </p:spPr>
+        <p:txBody>
+          <a:bodyPr wrap="none" rtlCol="0">
+            <a:spAutoFit/>
+          </a:bodyPr>
+          <a:lstStyle/>
+          <a:p>
+            <a:r>
+              <a:rPr lang="en-US" dirty="0">
+                <a:latin typeface="Times New Roman" panose="02020603050405020304" pitchFamily="18" charset="0"/>
+                <a:cs typeface="Times New Roman" panose="02020603050405020304" pitchFamily="18" charset="0"/>
+              </a:rPr>
+              <a:t>Configuration Model</a:t>
+            </a:r>
+          </a:p>
+        </p:txBody>
+      </p:sp>
+      <p:sp>
+        <p:nvSpPr>
+          <p:cNvPr id="96" name="TextBox 95">
+            <a:extLst>
+              <a:ext uri="{FF2B5EF4-FFF2-40B4-BE49-F238E27FC236}">
+                <a16:creationId xmlns:a16="http://schemas.microsoft.com/office/drawing/2014/main" id="{8B574027-4876-4AA8-8AC0-25DD608C4F9B}"/>
+              </a:ext>
+            </a:extLst>
+          </p:cNvPr>
+          <p:cNvSpPr txBox="1"/>
+          <p:nvPr/>
+        </p:nvSpPr>
+        <p:spPr>
+          <a:xfrm rot="16200000">
+            <a:off x="-122563" y="10979507"/>
+            <a:ext cx="1364476" cy="369332"/>
+          </a:xfrm>
+          <a:prstGeom prst="rect">
+            <a:avLst/>
+          </a:prstGeom>
+          <a:solidFill>
+            <a:srgbClr val="FFFFFF"/>
+          </a:solidFill>
+        </p:spPr>
+        <p:txBody>
+          <a:bodyPr wrap="none" rtlCol="0">
+            <a:spAutoFit/>
+          </a:bodyPr>
+          <a:lstStyle/>
+          <a:p>
+            <a:r>
+              <a:rPr lang="en-US" dirty="0">
+                <a:latin typeface="Times New Roman" panose="02020603050405020304" pitchFamily="18" charset="0"/>
+                <a:cs typeface="Times New Roman" panose="02020603050405020304" pitchFamily="18" charset="0"/>
+              </a:rPr>
+              <a:t>Performance</a:t>
+            </a:r>
+          </a:p>
+        </p:txBody>
+      </p:sp>
+      <p:sp>
+        <p:nvSpPr>
+          <p:cNvPr id="98" name="TextBox 97">
+            <a:extLst>
+              <a:ext uri="{FF2B5EF4-FFF2-40B4-BE49-F238E27FC236}">
+                <a16:creationId xmlns:a16="http://schemas.microsoft.com/office/drawing/2014/main" id="{13466EA7-2E30-42B0-8000-35E7BF76F82A}"/>
+              </a:ext>
+            </a:extLst>
+          </p:cNvPr>
+          <p:cNvSpPr txBox="1"/>
+          <p:nvPr/>
+        </p:nvSpPr>
+        <p:spPr>
+          <a:xfrm rot="16200000">
+            <a:off x="7046228" y="10979507"/>
+            <a:ext cx="1364476" cy="369332"/>
+          </a:xfrm>
+          <a:prstGeom prst="rect">
+            <a:avLst/>
+          </a:prstGeom>
+          <a:solidFill>
+            <a:srgbClr val="FFFFFF"/>
+          </a:solidFill>
+        </p:spPr>
+        <p:txBody>
+          <a:bodyPr wrap="none" rtlCol="0">
+            <a:spAutoFit/>
+          </a:bodyPr>
+          <a:lstStyle/>
+          <a:p>
+            <a:r>
+              <a:rPr lang="en-US" dirty="0">
+                <a:latin typeface="Times New Roman" panose="02020603050405020304" pitchFamily="18" charset="0"/>
+                <a:cs typeface="Times New Roman" panose="02020603050405020304" pitchFamily="18" charset="0"/>
+              </a:rPr>
+              <a:t>Performance</a:t>
+            </a:r>
+          </a:p>
+        </p:txBody>
+      </p:sp>
+      <p:sp>
+        <p:nvSpPr>
+          <p:cNvPr id="100" name="TextBox 99">
+            <a:extLst>
+              <a:ext uri="{FF2B5EF4-FFF2-40B4-BE49-F238E27FC236}">
+                <a16:creationId xmlns:a16="http://schemas.microsoft.com/office/drawing/2014/main" id="{8050AF54-5BA1-4774-995A-23F7A52358A2}"/>
+              </a:ext>
+            </a:extLst>
+          </p:cNvPr>
+          <p:cNvSpPr txBox="1"/>
+          <p:nvPr/>
+        </p:nvSpPr>
+        <p:spPr>
+          <a:xfrm>
+            <a:off x="8496019" y="13433807"/>
+            <a:ext cx="1499128" cy="369332"/>
+          </a:xfrm>
+          <a:prstGeom prst="rect">
+            <a:avLst/>
+          </a:prstGeom>
+          <a:solidFill>
+            <a:srgbClr val="FFFFFF"/>
+          </a:solidFill>
+        </p:spPr>
+        <p:txBody>
+          <a:bodyPr wrap="none" rtlCol="0">
+            <a:spAutoFit/>
+          </a:bodyPr>
+          <a:lstStyle/>
+          <a:p>
+            <a:r>
+              <a:rPr lang="en-US" dirty="0">
+                <a:latin typeface="Times New Roman" panose="02020603050405020304" pitchFamily="18" charset="0"/>
+                <a:cs typeface="Times New Roman" panose="02020603050405020304" pitchFamily="18" charset="0"/>
+              </a:rPr>
+              <a:t>Unseen Edges</a:t>
+            </a:r>
+          </a:p>
+        </p:txBody>
+      </p:sp>
+      <p:sp>
+        <p:nvSpPr>
+          <p:cNvPr id="101" name="TextBox 100">
+            <a:extLst>
+              <a:ext uri="{FF2B5EF4-FFF2-40B4-BE49-F238E27FC236}">
+                <a16:creationId xmlns:a16="http://schemas.microsoft.com/office/drawing/2014/main" id="{7096603E-B74A-470D-9DBE-078FE154C5D1}"/>
+              </a:ext>
+            </a:extLst>
+          </p:cNvPr>
+          <p:cNvSpPr txBox="1"/>
+          <p:nvPr/>
+        </p:nvSpPr>
+        <p:spPr>
+          <a:xfrm>
+            <a:off x="10684222" y="13418881"/>
+            <a:ext cx="1920603" cy="646331"/>
+          </a:xfrm>
+          <a:prstGeom prst="rect">
+            <a:avLst/>
+          </a:prstGeom>
+          <a:solidFill>
+            <a:srgbClr val="FFFFFF"/>
+          </a:solidFill>
+        </p:spPr>
+        <p:txBody>
+          <a:bodyPr wrap="square" rtlCol="0">
+            <a:spAutoFit/>
+          </a:bodyPr>
+          <a:lstStyle/>
+          <a:p>
+            <a:r>
+              <a:rPr lang="en-US" dirty="0">
+                <a:latin typeface="Times New Roman" panose="02020603050405020304" pitchFamily="18" charset="0"/>
+                <a:cs typeface="Times New Roman" panose="02020603050405020304" pitchFamily="18" charset="0"/>
+              </a:rPr>
+              <a:t>Unseen Targets</a:t>
+            </a:r>
+          </a:p>
+          <a:p>
+            <a:endParaRPr lang="en-US" dirty="0">
+              <a:latin typeface="Times New Roman" panose="02020603050405020304" pitchFamily="18" charset="0"/>
+              <a:cs typeface="Times New Roman" panose="02020603050405020304" pitchFamily="18" charset="0"/>
+            </a:endParaRPr>
+          </a:p>
+        </p:txBody>
+      </p:sp>
+      <p:sp>
+        <p:nvSpPr>
+          <p:cNvPr id="102" name="TextBox 101">
+            <a:extLst>
+              <a:ext uri="{FF2B5EF4-FFF2-40B4-BE49-F238E27FC236}">
+                <a16:creationId xmlns:a16="http://schemas.microsoft.com/office/drawing/2014/main" id="{95383EF3-8F5C-4429-B5E8-80625EF221EF}"/>
+              </a:ext>
+            </a:extLst>
+          </p:cNvPr>
+          <p:cNvSpPr txBox="1"/>
+          <p:nvPr/>
+        </p:nvSpPr>
+        <p:spPr>
+          <a:xfrm>
+            <a:off x="12857315" y="13433807"/>
+            <a:ext cx="1524776" cy="369332"/>
+          </a:xfrm>
+          <a:prstGeom prst="rect">
+            <a:avLst/>
+          </a:prstGeom>
+          <a:solidFill>
+            <a:srgbClr val="FFFFFF"/>
+          </a:solidFill>
+        </p:spPr>
+        <p:txBody>
+          <a:bodyPr wrap="none" rtlCol="0">
+            <a:spAutoFit/>
+          </a:bodyPr>
+          <a:lstStyle/>
+          <a:p>
+            <a:r>
+              <a:rPr lang="en-US" dirty="0">
+                <a:latin typeface="Times New Roman" panose="02020603050405020304" pitchFamily="18" charset="0"/>
+                <a:cs typeface="Times New Roman" panose="02020603050405020304" pitchFamily="18" charset="0"/>
+              </a:rPr>
+              <a:t>Unseen Nodes</a:t>
+            </a:r>
+          </a:p>
+        </p:txBody>
+      </p:sp>
     </p:spTree>
     <p:extLst>
       <p:ext uri="{BB962C8B-B14F-4D97-AF65-F5344CB8AC3E}">

--- a/Images/fig1b.pptx
+++ b/Images/fig1b.pptx
@@ -197,7 +197,7 @@
           <a:p>
             <a:fld id="{D34CEA9E-E5A5-49C8-A578-AF124664FEC0}" type="datetimeFigureOut">
               <a:rPr lang="en-US" smtClean="0"/>
-              <a:t>8/9/2021</a:t>
+              <a:t>9/3/2021</a:t>
             </a:fld>
             <a:endParaRPr lang="en-US"/>
           </a:p>
@@ -684,7 +684,7 @@
           <a:p>
             <a:fld id="{BA05AF01-4F0E-4718-A4C1-DFCBB47EE5F2}" type="datetimeFigureOut">
               <a:rPr lang="en-US" smtClean="0"/>
-              <a:t>8/9/2021</a:t>
+              <a:t>9/3/2021</a:t>
             </a:fld>
             <a:endParaRPr lang="en-US"/>
           </a:p>
@@ -854,7 +854,7 @@
           <a:p>
             <a:fld id="{BA05AF01-4F0E-4718-A4C1-DFCBB47EE5F2}" type="datetimeFigureOut">
               <a:rPr lang="en-US" smtClean="0"/>
-              <a:t>8/9/2021</a:t>
+              <a:t>9/3/2021</a:t>
             </a:fld>
             <a:endParaRPr lang="en-US"/>
           </a:p>
@@ -1034,7 +1034,7 @@
           <a:p>
             <a:fld id="{BA05AF01-4F0E-4718-A4C1-DFCBB47EE5F2}" type="datetimeFigureOut">
               <a:rPr lang="en-US" smtClean="0"/>
-              <a:t>8/9/2021</a:t>
+              <a:t>9/3/2021</a:t>
             </a:fld>
             <a:endParaRPr lang="en-US"/>
           </a:p>
@@ -1204,7 +1204,7 @@
           <a:p>
             <a:fld id="{BA05AF01-4F0E-4718-A4C1-DFCBB47EE5F2}" type="datetimeFigureOut">
               <a:rPr lang="en-US" smtClean="0"/>
-              <a:t>8/9/2021</a:t>
+              <a:t>9/3/2021</a:t>
             </a:fld>
             <a:endParaRPr lang="en-US"/>
           </a:p>
@@ -1448,7 +1448,7 @@
           <a:p>
             <a:fld id="{BA05AF01-4F0E-4718-A4C1-DFCBB47EE5F2}" type="datetimeFigureOut">
               <a:rPr lang="en-US" smtClean="0"/>
-              <a:t>8/9/2021</a:t>
+              <a:t>9/3/2021</a:t>
             </a:fld>
             <a:endParaRPr lang="en-US"/>
           </a:p>
@@ -1680,7 +1680,7 @@
           <a:p>
             <a:fld id="{BA05AF01-4F0E-4718-A4C1-DFCBB47EE5F2}" type="datetimeFigureOut">
               <a:rPr lang="en-US" smtClean="0"/>
-              <a:t>8/9/2021</a:t>
+              <a:t>9/3/2021</a:t>
             </a:fld>
             <a:endParaRPr lang="en-US"/>
           </a:p>
@@ -2047,7 +2047,7 @@
           <a:p>
             <a:fld id="{BA05AF01-4F0E-4718-A4C1-DFCBB47EE5F2}" type="datetimeFigureOut">
               <a:rPr lang="en-US" smtClean="0"/>
-              <a:t>8/9/2021</a:t>
+              <a:t>9/3/2021</a:t>
             </a:fld>
             <a:endParaRPr lang="en-US"/>
           </a:p>
@@ -2165,7 +2165,7 @@
           <a:p>
             <a:fld id="{BA05AF01-4F0E-4718-A4C1-DFCBB47EE5F2}" type="datetimeFigureOut">
               <a:rPr lang="en-US" smtClean="0"/>
-              <a:t>8/9/2021</a:t>
+              <a:t>9/3/2021</a:t>
             </a:fld>
             <a:endParaRPr lang="en-US"/>
           </a:p>
@@ -2260,7 +2260,7 @@
           <a:p>
             <a:fld id="{BA05AF01-4F0E-4718-A4C1-DFCBB47EE5F2}" type="datetimeFigureOut">
               <a:rPr lang="en-US" smtClean="0"/>
-              <a:t>8/9/2021</a:t>
+              <a:t>9/3/2021</a:t>
             </a:fld>
             <a:endParaRPr lang="en-US"/>
           </a:p>
@@ -2537,7 +2537,7 @@
           <a:p>
             <a:fld id="{BA05AF01-4F0E-4718-A4C1-DFCBB47EE5F2}" type="datetimeFigureOut">
               <a:rPr lang="en-US" smtClean="0"/>
-              <a:t>8/9/2021</a:t>
+              <a:t>9/3/2021</a:t>
             </a:fld>
             <a:endParaRPr lang="en-US"/>
           </a:p>
@@ -2794,7 +2794,7 @@
           <a:p>
             <a:fld id="{BA05AF01-4F0E-4718-A4C1-DFCBB47EE5F2}" type="datetimeFigureOut">
               <a:rPr lang="en-US" smtClean="0"/>
-              <a:t>8/9/2021</a:t>
+              <a:t>9/3/2021</a:t>
             </a:fld>
             <a:endParaRPr lang="en-US"/>
           </a:p>
@@ -3007,7 +3007,7 @@
           <a:p>
             <a:fld id="{BA05AF01-4F0E-4718-A4C1-DFCBB47EE5F2}" type="datetimeFigureOut">
               <a:rPr lang="en-US" smtClean="0"/>
-              <a:t>8/9/2021</a:t>
+              <a:t>9/3/2021</a:t>
             </a:fld>
             <a:endParaRPr lang="en-US"/>
           </a:p>
@@ -5044,7 +5044,50 @@
           <p:spPr>
             <a:xfrm>
               <a:off x="2482714" y="24288554"/>
-              <a:ext cx="928459" cy="369460"/>
+              <a:ext cx="896778" cy="308106"/>
+            </a:xfrm>
+            <a:prstGeom prst="rect">
+              <a:avLst/>
+            </a:prstGeom>
+            <a:noFill/>
+          </p:spPr>
+          <p:txBody>
+            <a:bodyPr wrap="none" rtlCol="0">
+              <a:spAutoFit/>
+            </a:bodyPr>
+            <a:lstStyle/>
+            <a:p>
+              <a:r>
+                <a:rPr lang="en-US" sz="1801" dirty="0">
+                  <a:solidFill>
+                    <a:schemeClr val="accent1">
+                      <a:lumMod val="75000"/>
+                    </a:schemeClr>
+                  </a:solidFill>
+                  <a:latin typeface="Times New Roman" panose="02020603050405020304" pitchFamily="18" charset="0"/>
+                  <a:cs typeface="Times New Roman" panose="02020603050405020304" pitchFamily="18" charset="0"/>
+                </a:rPr>
+                <a:t>Negative</a:t>
+              </a:r>
+            </a:p>
+          </p:txBody>
+        </p:sp>
+        <p:sp>
+          <p:nvSpPr>
+            <p:cNvPr id="207" name="TextBox 206">
+              <a:extLst>
+                <a:ext uri="{FF2B5EF4-FFF2-40B4-BE49-F238E27FC236}">
+                  <a16:creationId xmlns:a16="http://schemas.microsoft.com/office/drawing/2014/main" id="{3D0846AC-59E2-4BAC-B611-F1638C457A16}"/>
+                </a:ext>
+              </a:extLst>
+            </p:cNvPr>
+            <p:cNvSpPr txBox="1"/>
+            <p:nvPr/>
+          </p:nvSpPr>
+          <p:spPr>
+            <a:xfrm>
+              <a:off x="3870775" y="24285407"/>
+              <a:ext cx="817717" cy="308106"/>
             </a:xfrm>
             <a:prstGeom prst="rect">
               <a:avLst/>
@@ -5068,49 +5111,6 @@
                   <a:cs typeface="Times New Roman" panose="02020603050405020304" pitchFamily="18" charset="0"/>
                 </a:rPr>
                 <a:t>Positive</a:t>
-              </a:r>
-            </a:p>
-          </p:txBody>
-        </p:sp>
-        <p:sp>
-          <p:nvSpPr>
-            <p:cNvPr id="207" name="TextBox 206">
-              <a:extLst>
-                <a:ext uri="{FF2B5EF4-FFF2-40B4-BE49-F238E27FC236}">
-                  <a16:creationId xmlns:a16="http://schemas.microsoft.com/office/drawing/2014/main" id="{3D0846AC-59E2-4BAC-B611-F1638C457A16}"/>
-                </a:ext>
-              </a:extLst>
-            </p:cNvPr>
-            <p:cNvSpPr txBox="1"/>
-            <p:nvPr/>
-          </p:nvSpPr>
-          <p:spPr>
-            <a:xfrm>
-              <a:off x="3752140" y="24286862"/>
-              <a:ext cx="1018227" cy="369460"/>
-            </a:xfrm>
-            <a:prstGeom prst="rect">
-              <a:avLst/>
-            </a:prstGeom>
-            <a:noFill/>
-          </p:spPr>
-          <p:txBody>
-            <a:bodyPr wrap="none" rtlCol="0">
-              <a:spAutoFit/>
-            </a:bodyPr>
-            <a:lstStyle/>
-            <a:p>
-              <a:r>
-                <a:rPr lang="en-US" sz="1801" dirty="0">
-                  <a:solidFill>
-                    <a:schemeClr val="accent1">
-                      <a:lumMod val="75000"/>
-                    </a:schemeClr>
-                  </a:solidFill>
-                  <a:latin typeface="Times New Roman" panose="02020603050405020304" pitchFamily="18" charset="0"/>
-                  <a:cs typeface="Times New Roman" panose="02020603050405020304" pitchFamily="18" charset="0"/>
-                </a:rPr>
-                <a:t>Negative</a:t>
               </a:r>
             </a:p>
           </p:txBody>
@@ -7333,7 +7333,7 @@
                 <a:latin typeface="Times New Roman" panose="02020603050405020304" pitchFamily="18" charset="0"/>
                 <a:cs typeface="Times New Roman" panose="02020603050405020304" pitchFamily="18" charset="0"/>
               </a:rPr>
-              <a:t>a</a:t>
+              <a:t>A</a:t>
             </a:r>
           </a:p>
         </p:txBody>
@@ -7371,7 +7371,7 @@
                 <a:latin typeface="Times New Roman" panose="02020603050405020304" pitchFamily="18" charset="0"/>
                 <a:cs typeface="Times New Roman" panose="02020603050405020304" pitchFamily="18" charset="0"/>
               </a:rPr>
-              <a:t>b</a:t>
+              <a:t>B</a:t>
             </a:r>
           </a:p>
         </p:txBody>
@@ -7414,237 +7414,82 @@
           </a:p>
         </p:txBody>
       </p:sp>
-      <p:pic>
-        <p:nvPicPr>
-          <p:cNvPr id="255" name="Picture 254" descr="Chart, bar chart&#10;&#10;Description automatically generated">
+      <p:sp>
+        <p:nvSpPr>
+          <p:cNvPr id="89" name="TextBox 88">
             <a:extLst>
               <a:ext uri="{FF2B5EF4-FFF2-40B4-BE49-F238E27FC236}">
-                <a16:creationId xmlns:a16="http://schemas.microsoft.com/office/drawing/2014/main" id="{FAF14B89-976A-4034-BB3D-05768271FAE0}"/>
+                <a16:creationId xmlns:a16="http://schemas.microsoft.com/office/drawing/2014/main" id="{429261C3-7158-41B3-875D-7347E49D14DD}"/>
               </a:ext>
             </a:extLst>
           </p:cNvPr>
-          <p:cNvPicPr>
-            <a:picLocks noChangeAspect="1"/>
-          </p:cNvPicPr>
+          <p:cNvSpPr txBox="1"/>
           <p:nvPr/>
-        </p:nvPicPr>
-        <p:blipFill>
-          <a:blip r:embed="rId18">
-            <a:extLst>
-              <a:ext uri="{28A0092B-C50C-407E-A947-70E740481C1C}">
-                <a14:useLocalDpi xmlns:a14="http://schemas.microsoft.com/office/drawing/2010/main" val="0"/>
-              </a:ext>
-            </a:extLst>
-          </a:blip>
-          <a:stretch>
-            <a:fillRect/>
-          </a:stretch>
-        </p:blipFill>
+        </p:nvSpPr>
         <p:spPr>
           <a:xfrm>
-            <a:off x="7634984" y="8693775"/>
-            <a:ext cx="6999597" cy="5285410"/>
+            <a:off x="815307" y="6604300"/>
+            <a:ext cx="1265142" cy="369332"/>
           </a:xfrm>
           <a:prstGeom prst="rect">
             <a:avLst/>
           </a:prstGeom>
+          <a:noFill/>
         </p:spPr>
-      </p:pic>
-      <p:grpSp>
-        <p:nvGrpSpPr>
-          <p:cNvPr id="86" name="Group 85">
+        <p:txBody>
+          <a:bodyPr wrap="square" rtlCol="0">
+            <a:spAutoFit/>
+          </a:bodyPr>
+          <a:lstStyle/>
+          <a:p>
+            <a:r>
+              <a:rPr lang="en-US" dirty="0">
+                <a:latin typeface="Times New Roman" panose="02020603050405020304" pitchFamily="18" charset="0"/>
+                <a:cs typeface="Times New Roman" panose="02020603050405020304" pitchFamily="18" charset="0"/>
+              </a:rPr>
+              <a:t>Protein</a:t>
+            </a:r>
+          </a:p>
+        </p:txBody>
+      </p:sp>
+      <p:sp>
+        <p:nvSpPr>
+          <p:cNvPr id="91" name="TextBox 90">
             <a:extLst>
               <a:ext uri="{FF2B5EF4-FFF2-40B4-BE49-F238E27FC236}">
-                <a16:creationId xmlns:a16="http://schemas.microsoft.com/office/drawing/2014/main" id="{2DDB2178-0E3C-4094-9ECE-7E76EB9CAD37}"/>
+                <a16:creationId xmlns:a16="http://schemas.microsoft.com/office/drawing/2014/main" id="{581B5331-B7E8-4528-A20D-7D32643F5970}"/>
               </a:ext>
             </a:extLst>
           </p:cNvPr>
-          <p:cNvGrpSpPr/>
+          <p:cNvSpPr txBox="1"/>
           <p:nvPr/>
-        </p:nvGrpSpPr>
-        <p:grpSpPr>
+        </p:nvSpPr>
+        <p:spPr>
           <a:xfrm>
-            <a:off x="340824" y="6604300"/>
-            <a:ext cx="1739625" cy="930138"/>
-            <a:chOff x="487023" y="8901268"/>
-            <a:chExt cx="1739625" cy="930138"/>
+            <a:off x="815307" y="7165106"/>
+            <a:ext cx="1265142" cy="369332"/>
           </a:xfrm>
-        </p:grpSpPr>
-        <p:sp>
-          <p:nvSpPr>
-            <p:cNvPr id="88" name="Rectangle 87">
-              <a:extLst>
-                <a:ext uri="{FF2B5EF4-FFF2-40B4-BE49-F238E27FC236}">
-                  <a16:creationId xmlns:a16="http://schemas.microsoft.com/office/drawing/2014/main" id="{F40BAA2E-F000-4AB8-9DF1-8AB8D2C1692E}"/>
-                </a:ext>
-              </a:extLst>
-            </p:cNvPr>
-            <p:cNvSpPr/>
-            <p:nvPr/>
-          </p:nvSpPr>
-          <p:spPr>
-            <a:xfrm>
-              <a:off x="487024" y="8904024"/>
-              <a:ext cx="341797" cy="369332"/>
-            </a:xfrm>
-            <a:prstGeom prst="rect">
-              <a:avLst/>
-            </a:prstGeom>
-            <a:solidFill>
-              <a:srgbClr val="E8718C"/>
-            </a:solidFill>
-          </p:spPr>
-          <p:style>
-            <a:lnRef idx="2">
-              <a:schemeClr val="accent1">
-                <a:shade val="50000"/>
-              </a:schemeClr>
-            </a:lnRef>
-            <a:fillRef idx="1">
-              <a:schemeClr val="accent1"/>
-            </a:fillRef>
-            <a:effectRef idx="0">
-              <a:schemeClr val="accent1"/>
-            </a:effectRef>
-            <a:fontRef idx="minor">
-              <a:schemeClr val="lt1"/>
-            </a:fontRef>
-          </p:style>
-          <p:txBody>
-            <a:bodyPr rtlCol="0" anchor="ctr"/>
-            <a:lstStyle/>
-            <a:p>
-              <a:pPr algn="ctr"/>
-              <a:endParaRPr lang="en-US"/>
-            </a:p>
-          </p:txBody>
-        </p:sp>
-        <p:sp>
-          <p:nvSpPr>
-            <p:cNvPr id="89" name="TextBox 88">
-              <a:extLst>
-                <a:ext uri="{FF2B5EF4-FFF2-40B4-BE49-F238E27FC236}">
-                  <a16:creationId xmlns:a16="http://schemas.microsoft.com/office/drawing/2014/main" id="{429261C3-7158-41B3-875D-7347E49D14DD}"/>
-                </a:ext>
-              </a:extLst>
-            </p:cNvPr>
-            <p:cNvSpPr txBox="1"/>
-            <p:nvPr/>
-          </p:nvSpPr>
-          <p:spPr>
-            <a:xfrm>
-              <a:off x="961506" y="8901268"/>
-              <a:ext cx="1265142" cy="369332"/>
-            </a:xfrm>
-            <a:prstGeom prst="rect">
-              <a:avLst/>
-            </a:prstGeom>
-            <a:noFill/>
-          </p:spPr>
-          <p:txBody>
-            <a:bodyPr wrap="square" rtlCol="0">
-              <a:spAutoFit/>
-            </a:bodyPr>
-            <a:lstStyle/>
-            <a:p>
-              <a:r>
-                <a:rPr lang="en-US" dirty="0">
-                  <a:latin typeface="Times New Roman" panose="02020603050405020304" pitchFamily="18" charset="0"/>
-                  <a:cs typeface="Times New Roman" panose="02020603050405020304" pitchFamily="18" charset="0"/>
-                </a:rPr>
-                <a:t>Protein</a:t>
-              </a:r>
-            </a:p>
-          </p:txBody>
-        </p:sp>
-        <p:sp>
-          <p:nvSpPr>
-            <p:cNvPr id="90" name="Rectangle 89">
-              <a:extLst>
-                <a:ext uri="{FF2B5EF4-FFF2-40B4-BE49-F238E27FC236}">
-                  <a16:creationId xmlns:a16="http://schemas.microsoft.com/office/drawing/2014/main" id="{C8380E2E-EDE6-4A82-906F-0815CAAFA432}"/>
-                </a:ext>
-              </a:extLst>
-            </p:cNvPr>
-            <p:cNvSpPr/>
-            <p:nvPr/>
-          </p:nvSpPr>
-          <p:spPr>
-            <a:xfrm>
-              <a:off x="487023" y="9462074"/>
-              <a:ext cx="341797" cy="369332"/>
-            </a:xfrm>
-            <a:prstGeom prst="rect">
-              <a:avLst/>
-            </a:prstGeom>
-            <a:solidFill>
-              <a:srgbClr val="56B288"/>
-            </a:solidFill>
-          </p:spPr>
-          <p:style>
-            <a:lnRef idx="2">
-              <a:schemeClr val="accent1">
-                <a:shade val="50000"/>
-              </a:schemeClr>
-            </a:lnRef>
-            <a:fillRef idx="1">
-              <a:schemeClr val="accent1"/>
-            </a:fillRef>
-            <a:effectRef idx="0">
-              <a:schemeClr val="accent1"/>
-            </a:effectRef>
-            <a:fontRef idx="minor">
-              <a:schemeClr val="lt1"/>
-            </a:fontRef>
-          </p:style>
-          <p:txBody>
-            <a:bodyPr rtlCol="0" anchor="ctr"/>
-            <a:lstStyle/>
-            <a:p>
-              <a:pPr algn="ctr"/>
-              <a:endParaRPr lang="en-US"/>
-            </a:p>
-          </p:txBody>
-        </p:sp>
-        <p:sp>
-          <p:nvSpPr>
-            <p:cNvPr id="91" name="TextBox 90">
-              <a:extLst>
-                <a:ext uri="{FF2B5EF4-FFF2-40B4-BE49-F238E27FC236}">
-                  <a16:creationId xmlns:a16="http://schemas.microsoft.com/office/drawing/2014/main" id="{581B5331-B7E8-4528-A20D-7D32643F5970}"/>
-                </a:ext>
-              </a:extLst>
-            </p:cNvPr>
-            <p:cNvSpPr txBox="1"/>
-            <p:nvPr/>
-          </p:nvSpPr>
-          <p:spPr>
-            <a:xfrm>
-              <a:off x="961506" y="9462074"/>
-              <a:ext cx="1265142" cy="369332"/>
-            </a:xfrm>
-            <a:prstGeom prst="rect">
-              <a:avLst/>
-            </a:prstGeom>
-            <a:noFill/>
-          </p:spPr>
-          <p:txBody>
-            <a:bodyPr wrap="square" rtlCol="0">
-              <a:spAutoFit/>
-            </a:bodyPr>
-            <a:lstStyle/>
-            <a:p>
-              <a:r>
-                <a:rPr lang="en-US" dirty="0">
-                  <a:latin typeface="Times New Roman" panose="02020603050405020304" pitchFamily="18" charset="0"/>
-                  <a:cs typeface="Times New Roman" panose="02020603050405020304" pitchFamily="18" charset="0"/>
-                </a:rPr>
-                <a:t>Ligand</a:t>
-              </a:r>
-            </a:p>
-          </p:txBody>
-        </p:sp>
-      </p:grpSp>
+          <a:prstGeom prst="rect">
+            <a:avLst/>
+          </a:prstGeom>
+          <a:noFill/>
+        </p:spPr>
+        <p:txBody>
+          <a:bodyPr wrap="square" rtlCol="0">
+            <a:spAutoFit/>
+          </a:bodyPr>
+          <a:lstStyle/>
+          <a:p>
+            <a:r>
+              <a:rPr lang="en-US" dirty="0">
+                <a:latin typeface="Times New Roman" panose="02020603050405020304" pitchFamily="18" charset="0"/>
+                <a:cs typeface="Times New Roman" panose="02020603050405020304" pitchFamily="18" charset="0"/>
+              </a:rPr>
+              <a:t>Ligand</a:t>
+            </a:r>
+          </a:p>
+        </p:txBody>
+      </p:sp>
       <p:sp>
         <p:nvSpPr>
           <p:cNvPr id="4" name="TextBox 3">
@@ -7687,10 +7532,217 @@
       </p:sp>
       <p:sp>
         <p:nvSpPr>
-          <p:cNvPr id="92" name="TextBox 91">
+          <p:cNvPr id="93" name="TextBox 92">
             <a:extLst>
               <a:ext uri="{FF2B5EF4-FFF2-40B4-BE49-F238E27FC236}">
-                <a16:creationId xmlns:a16="http://schemas.microsoft.com/office/drawing/2014/main" id="{030D107C-DC61-4619-8D88-FA61758804A7}"/>
+                <a16:creationId xmlns:a16="http://schemas.microsoft.com/office/drawing/2014/main" id="{1E14ECEE-793A-4CEE-B64C-76B63C45DF64}"/>
+              </a:ext>
+            </a:extLst>
+          </p:cNvPr>
+          <p:cNvSpPr txBox="1"/>
+          <p:nvPr/>
+        </p:nvSpPr>
+        <p:spPr>
+          <a:xfrm>
+            <a:off x="3851309" y="13550186"/>
+            <a:ext cx="787395" cy="369332"/>
+          </a:xfrm>
+          <a:prstGeom prst="rect">
+            <a:avLst/>
+          </a:prstGeom>
+          <a:solidFill>
+            <a:srgbClr val="FFFFFF"/>
+          </a:solidFill>
+        </p:spPr>
+        <p:txBody>
+          <a:bodyPr wrap="none" rtlCol="0">
+            <a:spAutoFit/>
+          </a:bodyPr>
+          <a:lstStyle/>
+          <a:p>
+            <a:r>
+              <a:rPr lang="en-US" dirty="0">
+                <a:latin typeface="Times New Roman" panose="02020603050405020304" pitchFamily="18" charset="0"/>
+                <a:cs typeface="Times New Roman" panose="02020603050405020304" pitchFamily="18" charset="0"/>
+              </a:rPr>
+              <a:t>Model</a:t>
+            </a:r>
+          </a:p>
+        </p:txBody>
+      </p:sp>
+      <p:sp>
+        <p:nvSpPr>
+          <p:cNvPr id="94" name="TextBox 93">
+            <a:extLst>
+              <a:ext uri="{FF2B5EF4-FFF2-40B4-BE49-F238E27FC236}">
+                <a16:creationId xmlns:a16="http://schemas.microsoft.com/office/drawing/2014/main" id="{A7ED16B5-CE99-4A4E-B4F9-750742536B96}"/>
+              </a:ext>
+            </a:extLst>
+          </p:cNvPr>
+          <p:cNvSpPr txBox="1"/>
+          <p:nvPr/>
+        </p:nvSpPr>
+        <p:spPr>
+          <a:xfrm>
+            <a:off x="1815878" y="13433807"/>
+            <a:ext cx="1415772" cy="369332"/>
+          </a:xfrm>
+          <a:prstGeom prst="rect">
+            <a:avLst/>
+          </a:prstGeom>
+          <a:solidFill>
+            <a:srgbClr val="FFFFFF"/>
+          </a:solidFill>
+        </p:spPr>
+        <p:txBody>
+          <a:bodyPr wrap="none" rtlCol="0">
+            <a:spAutoFit/>
+          </a:bodyPr>
+          <a:lstStyle/>
+          <a:p>
+            <a:r>
+              <a:rPr lang="en-US" dirty="0">
+                <a:latin typeface="Times New Roman" panose="02020603050405020304" pitchFamily="18" charset="0"/>
+                <a:cs typeface="Times New Roman" panose="02020603050405020304" pitchFamily="18" charset="0"/>
+              </a:rPr>
+              <a:t>DeepPurpose</a:t>
+            </a:r>
+          </a:p>
+        </p:txBody>
+      </p:sp>
+      <p:sp>
+        <p:nvSpPr>
+          <p:cNvPr id="95" name="TextBox 94">
+            <a:extLst>
+              <a:ext uri="{FF2B5EF4-FFF2-40B4-BE49-F238E27FC236}">
+                <a16:creationId xmlns:a16="http://schemas.microsoft.com/office/drawing/2014/main" id="{B494D059-E312-4DAD-BDF7-9DD64E49E0C2}"/>
+              </a:ext>
+            </a:extLst>
+          </p:cNvPr>
+          <p:cNvSpPr txBox="1"/>
+          <p:nvPr/>
+        </p:nvSpPr>
+        <p:spPr>
+          <a:xfrm>
+            <a:off x="5087057" y="13433807"/>
+            <a:ext cx="2140330" cy="369332"/>
+          </a:xfrm>
+          <a:prstGeom prst="rect">
+            <a:avLst/>
+          </a:prstGeom>
+          <a:solidFill>
+            <a:srgbClr val="FFFFFF"/>
+          </a:solidFill>
+        </p:spPr>
+        <p:txBody>
+          <a:bodyPr wrap="none" rtlCol="0">
+            <a:spAutoFit/>
+          </a:bodyPr>
+          <a:lstStyle/>
+          <a:p>
+            <a:r>
+              <a:rPr lang="en-US" dirty="0">
+                <a:latin typeface="Times New Roman" panose="02020603050405020304" pitchFamily="18" charset="0"/>
+                <a:cs typeface="Times New Roman" panose="02020603050405020304" pitchFamily="18" charset="0"/>
+              </a:rPr>
+              <a:t>Configuration Model</a:t>
+            </a:r>
+          </a:p>
+        </p:txBody>
+      </p:sp>
+      <p:sp>
+        <p:nvSpPr>
+          <p:cNvPr id="96" name="TextBox 95">
+            <a:extLst>
+              <a:ext uri="{FF2B5EF4-FFF2-40B4-BE49-F238E27FC236}">
+                <a16:creationId xmlns:a16="http://schemas.microsoft.com/office/drawing/2014/main" id="{8B574027-4876-4AA8-8AC0-25DD608C4F9B}"/>
+              </a:ext>
+            </a:extLst>
+          </p:cNvPr>
+          <p:cNvSpPr txBox="1"/>
+          <p:nvPr/>
+        </p:nvSpPr>
+        <p:spPr>
+          <a:xfrm rot="16200000">
+            <a:off x="-122563" y="10979507"/>
+            <a:ext cx="1364476" cy="369332"/>
+          </a:xfrm>
+          <a:prstGeom prst="rect">
+            <a:avLst/>
+          </a:prstGeom>
+          <a:solidFill>
+            <a:srgbClr val="FFFFFF"/>
+          </a:solidFill>
+        </p:spPr>
+        <p:txBody>
+          <a:bodyPr wrap="none" rtlCol="0">
+            <a:spAutoFit/>
+          </a:bodyPr>
+          <a:lstStyle/>
+          <a:p>
+            <a:r>
+              <a:rPr lang="en-US" dirty="0">
+                <a:latin typeface="Times New Roman" panose="02020603050405020304" pitchFamily="18" charset="0"/>
+                <a:cs typeface="Times New Roman" panose="02020603050405020304" pitchFamily="18" charset="0"/>
+              </a:rPr>
+              <a:t>Performance</a:t>
+            </a:r>
+          </a:p>
+        </p:txBody>
+      </p:sp>
+      <p:pic>
+        <p:nvPicPr>
+          <p:cNvPr id="1026" name="Picture 2">
+            <a:extLst>
+              <a:ext uri="{FF2B5EF4-FFF2-40B4-BE49-F238E27FC236}">
+                <a16:creationId xmlns:a16="http://schemas.microsoft.com/office/drawing/2014/main" id="{0712EF2F-BED1-4D9B-8BEA-58629FBF92DF}"/>
+              </a:ext>
+            </a:extLst>
+          </p:cNvPr>
+          <p:cNvPicPr>
+            <a:picLocks noChangeAspect="1" noChangeArrowheads="1"/>
+          </p:cNvPicPr>
+          <p:nvPr/>
+        </p:nvPicPr>
+        <p:blipFill>
+          <a:blip r:embed="rId18">
+            <a:extLst>
+              <a:ext uri="{28A0092B-C50C-407E-A947-70E740481C1C}">
+                <a14:useLocalDpi xmlns:a14="http://schemas.microsoft.com/office/drawing/2010/main" val="0"/>
+              </a:ext>
+            </a:extLst>
+          </a:blip>
+          <a:srcRect/>
+          <a:stretch>
+            <a:fillRect/>
+          </a:stretch>
+        </p:blipFill>
+        <p:spPr bwMode="auto">
+          <a:xfrm>
+            <a:off x="7602526" y="8754782"/>
+            <a:ext cx="6900447" cy="5210542"/>
+          </a:xfrm>
+          <a:prstGeom prst="rect">
+            <a:avLst/>
+          </a:prstGeom>
+          <a:noFill/>
+          <a:extLst>
+            <a:ext uri="{909E8E84-426E-40DD-AFC4-6F175D3DCCD1}">
+              <a14:hiddenFill xmlns:a14="http://schemas.microsoft.com/office/drawing/2010/main">
+                <a:solidFill>
+                  <a:srgbClr val="FFFFFF"/>
+                </a:solidFill>
+              </a14:hiddenFill>
+            </a:ext>
+          </a:extLst>
+        </p:spPr>
+      </p:pic>
+      <p:sp>
+        <p:nvSpPr>
+          <p:cNvPr id="103" name="TextBox 102">
+            <a:extLst>
+              <a:ext uri="{FF2B5EF4-FFF2-40B4-BE49-F238E27FC236}">
+                <a16:creationId xmlns:a16="http://schemas.microsoft.com/office/drawing/2014/main" id="{329AD8A9-CD78-49A5-A4C7-7F8742B32BD4}"/>
               </a:ext>
             </a:extLst>
           </p:cNvPr>
@@ -7727,170 +7779,10 @@
       </p:sp>
       <p:sp>
         <p:nvSpPr>
-          <p:cNvPr id="93" name="TextBox 92">
+          <p:cNvPr id="104" name="TextBox 103">
             <a:extLst>
               <a:ext uri="{FF2B5EF4-FFF2-40B4-BE49-F238E27FC236}">
-                <a16:creationId xmlns:a16="http://schemas.microsoft.com/office/drawing/2014/main" id="{1E14ECEE-793A-4CEE-B64C-76B63C45DF64}"/>
-              </a:ext>
-            </a:extLst>
-          </p:cNvPr>
-          <p:cNvSpPr txBox="1"/>
-          <p:nvPr/>
-        </p:nvSpPr>
-        <p:spPr>
-          <a:xfrm>
-            <a:off x="3851309" y="13550186"/>
-            <a:ext cx="787395" cy="369332"/>
-          </a:xfrm>
-          <a:prstGeom prst="rect">
-            <a:avLst/>
-          </a:prstGeom>
-          <a:solidFill>
-            <a:srgbClr val="FFFFFF"/>
-          </a:solidFill>
-        </p:spPr>
-        <p:txBody>
-          <a:bodyPr wrap="none" rtlCol="0">
-            <a:spAutoFit/>
-          </a:bodyPr>
-          <a:lstStyle/>
-          <a:p>
-            <a:r>
-              <a:rPr lang="en-US" dirty="0">
-                <a:latin typeface="Times New Roman" panose="02020603050405020304" pitchFamily="18" charset="0"/>
-                <a:cs typeface="Times New Roman" panose="02020603050405020304" pitchFamily="18" charset="0"/>
-              </a:rPr>
-              <a:t>Model</a:t>
-            </a:r>
-          </a:p>
-        </p:txBody>
-      </p:sp>
-      <p:sp>
-        <p:nvSpPr>
-          <p:cNvPr id="94" name="TextBox 93">
-            <a:extLst>
-              <a:ext uri="{FF2B5EF4-FFF2-40B4-BE49-F238E27FC236}">
-                <a16:creationId xmlns:a16="http://schemas.microsoft.com/office/drawing/2014/main" id="{A7ED16B5-CE99-4A4E-B4F9-750742536B96}"/>
-              </a:ext>
-            </a:extLst>
-          </p:cNvPr>
-          <p:cNvSpPr txBox="1"/>
-          <p:nvPr/>
-        </p:nvSpPr>
-        <p:spPr>
-          <a:xfrm>
-            <a:off x="1815878" y="13433807"/>
-            <a:ext cx="1415772" cy="369332"/>
-          </a:xfrm>
-          <a:prstGeom prst="rect">
-            <a:avLst/>
-          </a:prstGeom>
-          <a:solidFill>
-            <a:srgbClr val="FFFFFF"/>
-          </a:solidFill>
-        </p:spPr>
-        <p:txBody>
-          <a:bodyPr wrap="none" rtlCol="0">
-            <a:spAutoFit/>
-          </a:bodyPr>
-          <a:lstStyle/>
-          <a:p>
-            <a:r>
-              <a:rPr lang="en-US" dirty="0">
-                <a:latin typeface="Times New Roman" panose="02020603050405020304" pitchFamily="18" charset="0"/>
-                <a:cs typeface="Times New Roman" panose="02020603050405020304" pitchFamily="18" charset="0"/>
-              </a:rPr>
-              <a:t>DeepPurpose</a:t>
-            </a:r>
-          </a:p>
-        </p:txBody>
-      </p:sp>
-      <p:sp>
-        <p:nvSpPr>
-          <p:cNvPr id="95" name="TextBox 94">
-            <a:extLst>
-              <a:ext uri="{FF2B5EF4-FFF2-40B4-BE49-F238E27FC236}">
-                <a16:creationId xmlns:a16="http://schemas.microsoft.com/office/drawing/2014/main" id="{B494D059-E312-4DAD-BDF7-9DD64E49E0C2}"/>
-              </a:ext>
-            </a:extLst>
-          </p:cNvPr>
-          <p:cNvSpPr txBox="1"/>
-          <p:nvPr/>
-        </p:nvSpPr>
-        <p:spPr>
-          <a:xfrm>
-            <a:off x="5087057" y="13433807"/>
-            <a:ext cx="2140330" cy="369332"/>
-          </a:xfrm>
-          <a:prstGeom prst="rect">
-            <a:avLst/>
-          </a:prstGeom>
-          <a:solidFill>
-            <a:srgbClr val="FFFFFF"/>
-          </a:solidFill>
-        </p:spPr>
-        <p:txBody>
-          <a:bodyPr wrap="none" rtlCol="0">
-            <a:spAutoFit/>
-          </a:bodyPr>
-          <a:lstStyle/>
-          <a:p>
-            <a:r>
-              <a:rPr lang="en-US" dirty="0">
-                <a:latin typeface="Times New Roman" panose="02020603050405020304" pitchFamily="18" charset="0"/>
-                <a:cs typeface="Times New Roman" panose="02020603050405020304" pitchFamily="18" charset="0"/>
-              </a:rPr>
-              <a:t>Configuration Model</a:t>
-            </a:r>
-          </a:p>
-        </p:txBody>
-      </p:sp>
-      <p:sp>
-        <p:nvSpPr>
-          <p:cNvPr id="96" name="TextBox 95">
-            <a:extLst>
-              <a:ext uri="{FF2B5EF4-FFF2-40B4-BE49-F238E27FC236}">
-                <a16:creationId xmlns:a16="http://schemas.microsoft.com/office/drawing/2014/main" id="{8B574027-4876-4AA8-8AC0-25DD608C4F9B}"/>
-              </a:ext>
-            </a:extLst>
-          </p:cNvPr>
-          <p:cNvSpPr txBox="1"/>
-          <p:nvPr/>
-        </p:nvSpPr>
-        <p:spPr>
-          <a:xfrm rot="16200000">
-            <a:off x="-122563" y="10979507"/>
-            <a:ext cx="1364476" cy="369332"/>
-          </a:xfrm>
-          <a:prstGeom prst="rect">
-            <a:avLst/>
-          </a:prstGeom>
-          <a:solidFill>
-            <a:srgbClr val="FFFFFF"/>
-          </a:solidFill>
-        </p:spPr>
-        <p:txBody>
-          <a:bodyPr wrap="none" rtlCol="0">
-            <a:spAutoFit/>
-          </a:bodyPr>
-          <a:lstStyle/>
-          <a:p>
-            <a:r>
-              <a:rPr lang="en-US" dirty="0">
-                <a:latin typeface="Times New Roman" panose="02020603050405020304" pitchFamily="18" charset="0"/>
-                <a:cs typeface="Times New Roman" panose="02020603050405020304" pitchFamily="18" charset="0"/>
-              </a:rPr>
-              <a:t>Performance</a:t>
-            </a:r>
-          </a:p>
-        </p:txBody>
-      </p:sp>
-      <p:sp>
-        <p:nvSpPr>
-          <p:cNvPr id="98" name="TextBox 97">
-            <a:extLst>
-              <a:ext uri="{FF2B5EF4-FFF2-40B4-BE49-F238E27FC236}">
-                <a16:creationId xmlns:a16="http://schemas.microsoft.com/office/drawing/2014/main" id="{13466EA7-2E30-42B0-8000-35E7BF76F82A}"/>
+                <a16:creationId xmlns:a16="http://schemas.microsoft.com/office/drawing/2014/main" id="{94E93E7C-4E53-44D2-8EC0-98F91111E616}"/>
               </a:ext>
             </a:extLst>
           </p:cNvPr>
@@ -7927,10 +7819,10 @@
       </p:sp>
       <p:sp>
         <p:nvSpPr>
-          <p:cNvPr id="100" name="TextBox 99">
+          <p:cNvPr id="105" name="TextBox 104">
             <a:extLst>
               <a:ext uri="{FF2B5EF4-FFF2-40B4-BE49-F238E27FC236}">
-                <a16:creationId xmlns:a16="http://schemas.microsoft.com/office/drawing/2014/main" id="{8050AF54-5BA1-4774-995A-23F7A52358A2}"/>
+                <a16:creationId xmlns:a16="http://schemas.microsoft.com/office/drawing/2014/main" id="{6BFAA0C5-3866-48D5-A7CB-5E9E18696C22}"/>
               </a:ext>
             </a:extLst>
           </p:cNvPr>
@@ -7967,10 +7859,10 @@
       </p:sp>
       <p:sp>
         <p:nvSpPr>
-          <p:cNvPr id="101" name="TextBox 100">
+          <p:cNvPr id="106" name="TextBox 105">
             <a:extLst>
               <a:ext uri="{FF2B5EF4-FFF2-40B4-BE49-F238E27FC236}">
-                <a16:creationId xmlns:a16="http://schemas.microsoft.com/office/drawing/2014/main" id="{7096603E-B74A-470D-9DBE-078FE154C5D1}"/>
+                <a16:creationId xmlns:a16="http://schemas.microsoft.com/office/drawing/2014/main" id="{B6AB8DA7-905F-4724-B6C2-E2D5B12FE5AD}"/>
               </a:ext>
             </a:extLst>
           </p:cNvPr>
@@ -8013,10 +7905,10 @@
       </p:sp>
       <p:sp>
         <p:nvSpPr>
-          <p:cNvPr id="102" name="TextBox 101">
+          <p:cNvPr id="108" name="TextBox 107">
             <a:extLst>
               <a:ext uri="{FF2B5EF4-FFF2-40B4-BE49-F238E27FC236}">
-                <a16:creationId xmlns:a16="http://schemas.microsoft.com/office/drawing/2014/main" id="{95383EF3-8F5C-4429-B5E8-80625EF221EF}"/>
+                <a16:creationId xmlns:a16="http://schemas.microsoft.com/office/drawing/2014/main" id="{FF2629CE-CF90-4621-8443-A6327AB89FF7}"/>
               </a:ext>
             </a:extLst>
           </p:cNvPr>
@@ -8048,6 +7940,221 @@
               </a:rPr>
               <a:t>Unseen Nodes</a:t>
             </a:r>
+          </a:p>
+        </p:txBody>
+      </p:sp>
+      <p:sp>
+        <p:nvSpPr>
+          <p:cNvPr id="101" name="TextBox 100">
+            <a:extLst>
+              <a:ext uri="{FF2B5EF4-FFF2-40B4-BE49-F238E27FC236}">
+                <a16:creationId xmlns:a16="http://schemas.microsoft.com/office/drawing/2014/main" id="{2DD24D18-1960-424E-860C-B1240212A16D}"/>
+              </a:ext>
+            </a:extLst>
+          </p:cNvPr>
+          <p:cNvSpPr txBox="1"/>
+          <p:nvPr/>
+        </p:nvSpPr>
+        <p:spPr>
+          <a:xfrm>
+            <a:off x="176" y="1452264"/>
+            <a:ext cx="928459" cy="369460"/>
+          </a:xfrm>
+          <a:prstGeom prst="rect">
+            <a:avLst/>
+          </a:prstGeom>
+          <a:noFill/>
+        </p:spPr>
+        <p:txBody>
+          <a:bodyPr wrap="none" rtlCol="0">
+            <a:spAutoFit/>
+          </a:bodyPr>
+          <a:lstStyle/>
+          <a:p>
+            <a:r>
+              <a:rPr lang="en-US" sz="1801" dirty="0">
+                <a:latin typeface="Times New Roman" panose="02020603050405020304" pitchFamily="18" charset="0"/>
+                <a:cs typeface="Times New Roman" panose="02020603050405020304" pitchFamily="18" charset="0"/>
+              </a:rPr>
+              <a:t>Positive</a:t>
+            </a:r>
+          </a:p>
+        </p:txBody>
+      </p:sp>
+      <p:sp>
+        <p:nvSpPr>
+          <p:cNvPr id="102" name="TextBox 101">
+            <a:extLst>
+              <a:ext uri="{FF2B5EF4-FFF2-40B4-BE49-F238E27FC236}">
+                <a16:creationId xmlns:a16="http://schemas.microsoft.com/office/drawing/2014/main" id="{61722068-1A12-4D59-871D-4CEEED0827A9}"/>
+              </a:ext>
+            </a:extLst>
+          </p:cNvPr>
+          <p:cNvSpPr txBox="1"/>
+          <p:nvPr/>
+        </p:nvSpPr>
+        <p:spPr>
+          <a:xfrm>
+            <a:off x="38154" y="4305764"/>
+            <a:ext cx="1018227" cy="369460"/>
+          </a:xfrm>
+          <a:prstGeom prst="rect">
+            <a:avLst/>
+          </a:prstGeom>
+          <a:noFill/>
+        </p:spPr>
+        <p:txBody>
+          <a:bodyPr wrap="none" rtlCol="0">
+            <a:spAutoFit/>
+          </a:bodyPr>
+          <a:lstStyle/>
+          <a:p>
+            <a:r>
+              <a:rPr lang="en-US" sz="1801" dirty="0">
+                <a:latin typeface="Times New Roman" panose="02020603050405020304" pitchFamily="18" charset="0"/>
+                <a:cs typeface="Times New Roman" panose="02020603050405020304" pitchFamily="18" charset="0"/>
+              </a:rPr>
+              <a:t>Negative</a:t>
+            </a:r>
+          </a:p>
+        </p:txBody>
+      </p:sp>
+      <p:sp>
+        <p:nvSpPr>
+          <p:cNvPr id="109" name="TextBox 108">
+            <a:extLst>
+              <a:ext uri="{FF2B5EF4-FFF2-40B4-BE49-F238E27FC236}">
+                <a16:creationId xmlns:a16="http://schemas.microsoft.com/office/drawing/2014/main" id="{333111A4-44D5-4B88-9B68-D33670738DE9}"/>
+              </a:ext>
+            </a:extLst>
+          </p:cNvPr>
+          <p:cNvSpPr txBox="1"/>
+          <p:nvPr/>
+        </p:nvSpPr>
+        <p:spPr>
+          <a:xfrm>
+            <a:off x="7498808" y="8404068"/>
+            <a:ext cx="261842" cy="584775"/>
+          </a:xfrm>
+          <a:prstGeom prst="rect">
+            <a:avLst/>
+          </a:prstGeom>
+          <a:noFill/>
+        </p:spPr>
+        <p:txBody>
+          <a:bodyPr wrap="square" rtlCol="0">
+            <a:spAutoFit/>
+          </a:bodyPr>
+          <a:lstStyle/>
+          <a:p>
+            <a:r>
+              <a:rPr lang="en-US" sz="3200" b="1" dirty="0">
+                <a:latin typeface="Times New Roman" panose="02020603050405020304" pitchFamily="18" charset="0"/>
+                <a:cs typeface="Times New Roman" panose="02020603050405020304" pitchFamily="18" charset="0"/>
+              </a:rPr>
+              <a:t>C</a:t>
+            </a:r>
+          </a:p>
+        </p:txBody>
+      </p:sp>
+      <p:sp>
+        <p:nvSpPr>
+          <p:cNvPr id="110" name="Oval 109">
+            <a:extLst>
+              <a:ext uri="{FF2B5EF4-FFF2-40B4-BE49-F238E27FC236}">
+                <a16:creationId xmlns:a16="http://schemas.microsoft.com/office/drawing/2014/main" id="{D7B26414-5358-427D-8A3D-746676A905D9}"/>
+              </a:ext>
+            </a:extLst>
+          </p:cNvPr>
+          <p:cNvSpPr/>
+          <p:nvPr/>
+        </p:nvSpPr>
+        <p:spPr>
+          <a:xfrm>
+            <a:off x="251882" y="7159264"/>
+            <a:ext cx="364294" cy="342543"/>
+          </a:xfrm>
+          <a:prstGeom prst="ellipse">
+            <a:avLst/>
+          </a:prstGeom>
+          <a:solidFill>
+            <a:schemeClr val="accent6">
+              <a:lumMod val="60000"/>
+              <a:lumOff val="40000"/>
+            </a:schemeClr>
+          </a:solidFill>
+        </p:spPr>
+        <p:style>
+          <a:lnRef idx="2">
+            <a:schemeClr val="accent1">
+              <a:shade val="50000"/>
+            </a:schemeClr>
+          </a:lnRef>
+          <a:fillRef idx="1">
+            <a:schemeClr val="accent1"/>
+          </a:fillRef>
+          <a:effectRef idx="0">
+            <a:schemeClr val="accent1"/>
+          </a:effectRef>
+          <a:fontRef idx="minor">
+            <a:schemeClr val="lt1"/>
+          </a:fontRef>
+        </p:style>
+        <p:txBody>
+          <a:bodyPr rtlCol="0" anchor="ctr"/>
+          <a:lstStyle/>
+          <a:p>
+            <a:pPr algn="ctr"/>
+            <a:endParaRPr lang="en-US" sz="1801"/>
+          </a:p>
+        </p:txBody>
+      </p:sp>
+      <p:sp>
+        <p:nvSpPr>
+          <p:cNvPr id="111" name="Oval 110">
+            <a:extLst>
+              <a:ext uri="{FF2B5EF4-FFF2-40B4-BE49-F238E27FC236}">
+                <a16:creationId xmlns:a16="http://schemas.microsoft.com/office/drawing/2014/main" id="{53B94AF7-1349-4D86-BA0E-6E9649545C05}"/>
+              </a:ext>
+            </a:extLst>
+          </p:cNvPr>
+          <p:cNvSpPr/>
+          <p:nvPr/>
+        </p:nvSpPr>
+        <p:spPr>
+          <a:xfrm>
+            <a:off x="249157" y="6647772"/>
+            <a:ext cx="364294" cy="342543"/>
+          </a:xfrm>
+          <a:prstGeom prst="ellipse">
+            <a:avLst/>
+          </a:prstGeom>
+          <a:solidFill>
+            <a:srgbClr val="E8718C"/>
+          </a:solidFill>
+        </p:spPr>
+        <p:style>
+          <a:lnRef idx="2">
+            <a:schemeClr val="accent1">
+              <a:shade val="50000"/>
+            </a:schemeClr>
+          </a:lnRef>
+          <a:fillRef idx="1">
+            <a:schemeClr val="accent1"/>
+          </a:fillRef>
+          <a:effectRef idx="0">
+            <a:schemeClr val="accent1"/>
+          </a:effectRef>
+          <a:fontRef idx="minor">
+            <a:schemeClr val="lt1"/>
+          </a:fontRef>
+        </p:style>
+        <p:txBody>
+          <a:bodyPr rtlCol="0" anchor="ctr"/>
+          <a:lstStyle/>
+          <a:p>
+            <a:pPr algn="ctr"/>
+            <a:endParaRPr lang="en-US" sz="1801"/>
           </a:p>
         </p:txBody>
       </p:sp>

--- a/Images/fig1b.pptx
+++ b/Images/fig1b.pptx
@@ -197,7 +197,7 @@
           <a:p>
             <a:fld id="{D34CEA9E-E5A5-49C8-A578-AF124664FEC0}" type="datetimeFigureOut">
               <a:rPr lang="en-US" smtClean="0"/>
-              <a:t>9/3/2021</a:t>
+              <a:t>9/13/2021</a:t>
             </a:fld>
             <a:endParaRPr lang="en-US"/>
           </a:p>
@@ -684,7 +684,7 @@
           <a:p>
             <a:fld id="{BA05AF01-4F0E-4718-A4C1-DFCBB47EE5F2}" type="datetimeFigureOut">
               <a:rPr lang="en-US" smtClean="0"/>
-              <a:t>9/3/2021</a:t>
+              <a:t>9/13/2021</a:t>
             </a:fld>
             <a:endParaRPr lang="en-US"/>
           </a:p>
@@ -854,7 +854,7 @@
           <a:p>
             <a:fld id="{BA05AF01-4F0E-4718-A4C1-DFCBB47EE5F2}" type="datetimeFigureOut">
               <a:rPr lang="en-US" smtClean="0"/>
-              <a:t>9/3/2021</a:t>
+              <a:t>9/13/2021</a:t>
             </a:fld>
             <a:endParaRPr lang="en-US"/>
           </a:p>
@@ -1034,7 +1034,7 @@
           <a:p>
             <a:fld id="{BA05AF01-4F0E-4718-A4C1-DFCBB47EE5F2}" type="datetimeFigureOut">
               <a:rPr lang="en-US" smtClean="0"/>
-              <a:t>9/3/2021</a:t>
+              <a:t>9/13/2021</a:t>
             </a:fld>
             <a:endParaRPr lang="en-US"/>
           </a:p>
@@ -1204,7 +1204,7 @@
           <a:p>
             <a:fld id="{BA05AF01-4F0E-4718-A4C1-DFCBB47EE5F2}" type="datetimeFigureOut">
               <a:rPr lang="en-US" smtClean="0"/>
-              <a:t>9/3/2021</a:t>
+              <a:t>9/13/2021</a:t>
             </a:fld>
             <a:endParaRPr lang="en-US"/>
           </a:p>
@@ -1448,7 +1448,7 @@
           <a:p>
             <a:fld id="{BA05AF01-4F0E-4718-A4C1-DFCBB47EE5F2}" type="datetimeFigureOut">
               <a:rPr lang="en-US" smtClean="0"/>
-              <a:t>9/3/2021</a:t>
+              <a:t>9/13/2021</a:t>
             </a:fld>
             <a:endParaRPr lang="en-US"/>
           </a:p>
@@ -1680,7 +1680,7 @@
           <a:p>
             <a:fld id="{BA05AF01-4F0E-4718-A4C1-DFCBB47EE5F2}" type="datetimeFigureOut">
               <a:rPr lang="en-US" smtClean="0"/>
-              <a:t>9/3/2021</a:t>
+              <a:t>9/13/2021</a:t>
             </a:fld>
             <a:endParaRPr lang="en-US"/>
           </a:p>
@@ -2047,7 +2047,7 @@
           <a:p>
             <a:fld id="{BA05AF01-4F0E-4718-A4C1-DFCBB47EE5F2}" type="datetimeFigureOut">
               <a:rPr lang="en-US" smtClean="0"/>
-              <a:t>9/3/2021</a:t>
+              <a:t>9/13/2021</a:t>
             </a:fld>
             <a:endParaRPr lang="en-US"/>
           </a:p>
@@ -2165,7 +2165,7 @@
           <a:p>
             <a:fld id="{BA05AF01-4F0E-4718-A4C1-DFCBB47EE5F2}" type="datetimeFigureOut">
               <a:rPr lang="en-US" smtClean="0"/>
-              <a:t>9/3/2021</a:t>
+              <a:t>9/13/2021</a:t>
             </a:fld>
             <a:endParaRPr lang="en-US"/>
           </a:p>
@@ -2260,7 +2260,7 @@
           <a:p>
             <a:fld id="{BA05AF01-4F0E-4718-A4C1-DFCBB47EE5F2}" type="datetimeFigureOut">
               <a:rPr lang="en-US" smtClean="0"/>
-              <a:t>9/3/2021</a:t>
+              <a:t>9/13/2021</a:t>
             </a:fld>
             <a:endParaRPr lang="en-US"/>
           </a:p>
@@ -2537,7 +2537,7 @@
           <a:p>
             <a:fld id="{BA05AF01-4F0E-4718-A4C1-DFCBB47EE5F2}" type="datetimeFigureOut">
               <a:rPr lang="en-US" smtClean="0"/>
-              <a:t>9/3/2021</a:t>
+              <a:t>9/13/2021</a:t>
             </a:fld>
             <a:endParaRPr lang="en-US"/>
           </a:p>
@@ -2794,7 +2794,7 @@
           <a:p>
             <a:fld id="{BA05AF01-4F0E-4718-A4C1-DFCBB47EE5F2}" type="datetimeFigureOut">
               <a:rPr lang="en-US" smtClean="0"/>
-              <a:t>9/3/2021</a:t>
+              <a:t>9/13/2021</a:t>
             </a:fld>
             <a:endParaRPr lang="en-US"/>
           </a:p>
@@ -3007,7 +3007,7 @@
           <a:p>
             <a:fld id="{BA05AF01-4F0E-4718-A4C1-DFCBB47EE5F2}" type="datetimeFigureOut">
               <a:rPr lang="en-US" smtClean="0"/>
-              <a:t>9/3/2021</a:t>
+              <a:t>9/13/2021</a:t>
             </a:fld>
             <a:endParaRPr lang="en-US"/>
           </a:p>
@@ -8158,6 +8158,82 @@
           </a:p>
         </p:txBody>
       </p:sp>
+      <p:sp>
+        <p:nvSpPr>
+          <p:cNvPr id="112" name="TextBox 111">
+            <a:extLst>
+              <a:ext uri="{FF2B5EF4-FFF2-40B4-BE49-F238E27FC236}">
+                <a16:creationId xmlns:a16="http://schemas.microsoft.com/office/drawing/2014/main" id="{CC3F8AD3-6921-48C4-998F-9D43CCDF8DBC}"/>
+              </a:ext>
+            </a:extLst>
+          </p:cNvPr>
+          <p:cNvSpPr txBox="1"/>
+          <p:nvPr/>
+        </p:nvSpPr>
+        <p:spPr>
+          <a:xfrm>
+            <a:off x="1749422" y="130310"/>
+            <a:ext cx="896399" cy="369460"/>
+          </a:xfrm>
+          <a:prstGeom prst="rect">
+            <a:avLst/>
+          </a:prstGeom>
+          <a:noFill/>
+        </p:spPr>
+        <p:txBody>
+          <a:bodyPr wrap="none" rtlCol="0">
+            <a:spAutoFit/>
+          </a:bodyPr>
+          <a:lstStyle/>
+          <a:p>
+            <a:r>
+              <a:rPr lang="en-US" sz="1801" i="1" dirty="0">
+                <a:latin typeface="Times New Roman" panose="02020603050405020304" pitchFamily="18" charset="0"/>
+                <a:cs typeface="Times New Roman" panose="02020603050405020304" pitchFamily="18" charset="0"/>
+              </a:rPr>
+              <a:t>Layer 1</a:t>
+            </a:r>
+          </a:p>
+        </p:txBody>
+      </p:sp>
+      <p:sp>
+        <p:nvSpPr>
+          <p:cNvPr id="113" name="TextBox 112">
+            <a:extLst>
+              <a:ext uri="{FF2B5EF4-FFF2-40B4-BE49-F238E27FC236}">
+                <a16:creationId xmlns:a16="http://schemas.microsoft.com/office/drawing/2014/main" id="{1F0BD2A3-1979-4EE1-8840-DFF0596E48B4}"/>
+              </a:ext>
+            </a:extLst>
+          </p:cNvPr>
+          <p:cNvSpPr txBox="1"/>
+          <p:nvPr/>
+        </p:nvSpPr>
+        <p:spPr>
+          <a:xfrm>
+            <a:off x="1651328" y="2762913"/>
+            <a:ext cx="896399" cy="369460"/>
+          </a:xfrm>
+          <a:prstGeom prst="rect">
+            <a:avLst/>
+          </a:prstGeom>
+          <a:noFill/>
+        </p:spPr>
+        <p:txBody>
+          <a:bodyPr wrap="none" rtlCol="0">
+            <a:spAutoFit/>
+          </a:bodyPr>
+          <a:lstStyle/>
+          <a:p>
+            <a:r>
+              <a:rPr lang="en-US" sz="1801" i="1" dirty="0">
+                <a:latin typeface="Times New Roman" panose="02020603050405020304" pitchFamily="18" charset="0"/>
+                <a:cs typeface="Times New Roman" panose="02020603050405020304" pitchFamily="18" charset="0"/>
+              </a:rPr>
+              <a:t>Layer 2</a:t>
+            </a:r>
+          </a:p>
+        </p:txBody>
+      </p:sp>
     </p:spTree>
     <p:extLst>
       <p:ext uri="{BB962C8B-B14F-4D97-AF65-F5344CB8AC3E}">

--- a/Images/fig1b.pptx
+++ b/Images/fig1b.pptx
@@ -197,7 +197,7 @@
           <a:p>
             <a:fld id="{D34CEA9E-E5A5-49C8-A578-AF124664FEC0}" type="datetimeFigureOut">
               <a:rPr lang="en-US" smtClean="0"/>
-              <a:t>9/13/2021</a:t>
+              <a:t>9/23/2021</a:t>
             </a:fld>
             <a:endParaRPr lang="en-US"/>
           </a:p>
@@ -684,7 +684,7 @@
           <a:p>
             <a:fld id="{BA05AF01-4F0E-4718-A4C1-DFCBB47EE5F2}" type="datetimeFigureOut">
               <a:rPr lang="en-US" smtClean="0"/>
-              <a:t>9/13/2021</a:t>
+              <a:t>9/23/2021</a:t>
             </a:fld>
             <a:endParaRPr lang="en-US"/>
           </a:p>
@@ -854,7 +854,7 @@
           <a:p>
             <a:fld id="{BA05AF01-4F0E-4718-A4C1-DFCBB47EE5F2}" type="datetimeFigureOut">
               <a:rPr lang="en-US" smtClean="0"/>
-              <a:t>9/13/2021</a:t>
+              <a:t>9/23/2021</a:t>
             </a:fld>
             <a:endParaRPr lang="en-US"/>
           </a:p>
@@ -1034,7 +1034,7 @@
           <a:p>
             <a:fld id="{BA05AF01-4F0E-4718-A4C1-DFCBB47EE5F2}" type="datetimeFigureOut">
               <a:rPr lang="en-US" smtClean="0"/>
-              <a:t>9/13/2021</a:t>
+              <a:t>9/23/2021</a:t>
             </a:fld>
             <a:endParaRPr lang="en-US"/>
           </a:p>
@@ -1204,7 +1204,7 @@
           <a:p>
             <a:fld id="{BA05AF01-4F0E-4718-A4C1-DFCBB47EE5F2}" type="datetimeFigureOut">
               <a:rPr lang="en-US" smtClean="0"/>
-              <a:t>9/13/2021</a:t>
+              <a:t>9/23/2021</a:t>
             </a:fld>
             <a:endParaRPr lang="en-US"/>
           </a:p>
@@ -1448,7 +1448,7 @@
           <a:p>
             <a:fld id="{BA05AF01-4F0E-4718-A4C1-DFCBB47EE5F2}" type="datetimeFigureOut">
               <a:rPr lang="en-US" smtClean="0"/>
-              <a:t>9/13/2021</a:t>
+              <a:t>9/23/2021</a:t>
             </a:fld>
             <a:endParaRPr lang="en-US"/>
           </a:p>
@@ -1680,7 +1680,7 @@
           <a:p>
             <a:fld id="{BA05AF01-4F0E-4718-A4C1-DFCBB47EE5F2}" type="datetimeFigureOut">
               <a:rPr lang="en-US" smtClean="0"/>
-              <a:t>9/13/2021</a:t>
+              <a:t>9/23/2021</a:t>
             </a:fld>
             <a:endParaRPr lang="en-US"/>
           </a:p>
@@ -2047,7 +2047,7 @@
           <a:p>
             <a:fld id="{BA05AF01-4F0E-4718-A4C1-DFCBB47EE5F2}" type="datetimeFigureOut">
               <a:rPr lang="en-US" smtClean="0"/>
-              <a:t>9/13/2021</a:t>
+              <a:t>9/23/2021</a:t>
             </a:fld>
             <a:endParaRPr lang="en-US"/>
           </a:p>
@@ -2165,7 +2165,7 @@
           <a:p>
             <a:fld id="{BA05AF01-4F0E-4718-A4C1-DFCBB47EE5F2}" type="datetimeFigureOut">
               <a:rPr lang="en-US" smtClean="0"/>
-              <a:t>9/13/2021</a:t>
+              <a:t>9/23/2021</a:t>
             </a:fld>
             <a:endParaRPr lang="en-US"/>
           </a:p>
@@ -2260,7 +2260,7 @@
           <a:p>
             <a:fld id="{BA05AF01-4F0E-4718-A4C1-DFCBB47EE5F2}" type="datetimeFigureOut">
               <a:rPr lang="en-US" smtClean="0"/>
-              <a:t>9/13/2021</a:t>
+              <a:t>9/23/2021</a:t>
             </a:fld>
             <a:endParaRPr lang="en-US"/>
           </a:p>
@@ -2537,7 +2537,7 @@
           <a:p>
             <a:fld id="{BA05AF01-4F0E-4718-A4C1-DFCBB47EE5F2}" type="datetimeFigureOut">
               <a:rPr lang="en-US" smtClean="0"/>
-              <a:t>9/13/2021</a:t>
+              <a:t>9/23/2021</a:t>
             </a:fld>
             <a:endParaRPr lang="en-US"/>
           </a:p>
@@ -2794,7 +2794,7 @@
           <a:p>
             <a:fld id="{BA05AF01-4F0E-4718-A4C1-DFCBB47EE5F2}" type="datetimeFigureOut">
               <a:rPr lang="en-US" smtClean="0"/>
-              <a:t>9/13/2021</a:t>
+              <a:t>9/23/2021</a:t>
             </a:fld>
             <a:endParaRPr lang="en-US"/>
           </a:p>
@@ -3007,7 +3007,7 @@
           <a:p>
             <a:fld id="{BA05AF01-4F0E-4718-A4C1-DFCBB47EE5F2}" type="datetimeFigureOut">
               <a:rPr lang="en-US" smtClean="0"/>
-              <a:t>9/13/2021</a:t>
+              <a:t>9/23/2021</a:t>
             </a:fld>
             <a:endParaRPr lang="en-US"/>
           </a:p>
@@ -7791,8 +7791,8 @@
         </p:nvSpPr>
         <p:spPr>
           <a:xfrm rot="16200000">
-            <a:off x="7046228" y="10979507"/>
-            <a:ext cx="1364476" cy="369332"/>
+            <a:off x="6276788" y="10979507"/>
+            <a:ext cx="2903359" cy="369332"/>
           </a:xfrm>
           <a:prstGeom prst="rect">
             <a:avLst/>
@@ -7812,7 +7812,7 @@
                 <a:latin typeface="Times New Roman" panose="02020603050405020304" pitchFamily="18" charset="0"/>
                 <a:cs typeface="Times New Roman" panose="02020603050405020304" pitchFamily="18" charset="0"/>
               </a:rPr>
-              <a:t>Performance</a:t>
+              <a:t>Performance of DeepPurpose</a:t>
             </a:r>
           </a:p>
         </p:txBody>

--- a/Images/fig1b.pptx
+++ b/Images/fig1b.pptx
@@ -197,7 +197,7 @@
           <a:p>
             <a:fld id="{D34CEA9E-E5A5-49C8-A578-AF124664FEC0}" type="datetimeFigureOut">
               <a:rPr lang="en-US" smtClean="0"/>
-              <a:t>9/29/2021</a:t>
+              <a:t>10/25/2021</a:t>
             </a:fld>
             <a:endParaRPr lang="en-US"/>
           </a:p>
@@ -684,7 +684,7 @@
           <a:p>
             <a:fld id="{BA05AF01-4F0E-4718-A4C1-DFCBB47EE5F2}" type="datetimeFigureOut">
               <a:rPr lang="en-US" smtClean="0"/>
-              <a:t>9/29/2021</a:t>
+              <a:t>10/25/2021</a:t>
             </a:fld>
             <a:endParaRPr lang="en-US"/>
           </a:p>
@@ -854,7 +854,7 @@
           <a:p>
             <a:fld id="{BA05AF01-4F0E-4718-A4C1-DFCBB47EE5F2}" type="datetimeFigureOut">
               <a:rPr lang="en-US" smtClean="0"/>
-              <a:t>9/29/2021</a:t>
+              <a:t>10/25/2021</a:t>
             </a:fld>
             <a:endParaRPr lang="en-US"/>
           </a:p>
@@ -1034,7 +1034,7 @@
           <a:p>
             <a:fld id="{BA05AF01-4F0E-4718-A4C1-DFCBB47EE5F2}" type="datetimeFigureOut">
               <a:rPr lang="en-US" smtClean="0"/>
-              <a:t>9/29/2021</a:t>
+              <a:t>10/25/2021</a:t>
             </a:fld>
             <a:endParaRPr lang="en-US"/>
           </a:p>
@@ -1204,7 +1204,7 @@
           <a:p>
             <a:fld id="{BA05AF01-4F0E-4718-A4C1-DFCBB47EE5F2}" type="datetimeFigureOut">
               <a:rPr lang="en-US" smtClean="0"/>
-              <a:t>9/29/2021</a:t>
+              <a:t>10/25/2021</a:t>
             </a:fld>
             <a:endParaRPr lang="en-US"/>
           </a:p>
@@ -1448,7 +1448,7 @@
           <a:p>
             <a:fld id="{BA05AF01-4F0E-4718-A4C1-DFCBB47EE5F2}" type="datetimeFigureOut">
               <a:rPr lang="en-US" smtClean="0"/>
-              <a:t>9/29/2021</a:t>
+              <a:t>10/25/2021</a:t>
             </a:fld>
             <a:endParaRPr lang="en-US"/>
           </a:p>
@@ -1680,7 +1680,7 @@
           <a:p>
             <a:fld id="{BA05AF01-4F0E-4718-A4C1-DFCBB47EE5F2}" type="datetimeFigureOut">
               <a:rPr lang="en-US" smtClean="0"/>
-              <a:t>9/29/2021</a:t>
+              <a:t>10/25/2021</a:t>
             </a:fld>
             <a:endParaRPr lang="en-US"/>
           </a:p>
@@ -2047,7 +2047,7 @@
           <a:p>
             <a:fld id="{BA05AF01-4F0E-4718-A4C1-DFCBB47EE5F2}" type="datetimeFigureOut">
               <a:rPr lang="en-US" smtClean="0"/>
-              <a:t>9/29/2021</a:t>
+              <a:t>10/25/2021</a:t>
             </a:fld>
             <a:endParaRPr lang="en-US"/>
           </a:p>
@@ -2165,7 +2165,7 @@
           <a:p>
             <a:fld id="{BA05AF01-4F0E-4718-A4C1-DFCBB47EE5F2}" type="datetimeFigureOut">
               <a:rPr lang="en-US" smtClean="0"/>
-              <a:t>9/29/2021</a:t>
+              <a:t>10/25/2021</a:t>
             </a:fld>
             <a:endParaRPr lang="en-US"/>
           </a:p>
@@ -2260,7 +2260,7 @@
           <a:p>
             <a:fld id="{BA05AF01-4F0E-4718-A4C1-DFCBB47EE5F2}" type="datetimeFigureOut">
               <a:rPr lang="en-US" smtClean="0"/>
-              <a:t>9/29/2021</a:t>
+              <a:t>10/25/2021</a:t>
             </a:fld>
             <a:endParaRPr lang="en-US"/>
           </a:p>
@@ -2537,7 +2537,7 @@
           <a:p>
             <a:fld id="{BA05AF01-4F0E-4718-A4C1-DFCBB47EE5F2}" type="datetimeFigureOut">
               <a:rPr lang="en-US" smtClean="0"/>
-              <a:t>9/29/2021</a:t>
+              <a:t>10/25/2021</a:t>
             </a:fld>
             <a:endParaRPr lang="en-US"/>
           </a:p>
@@ -2794,7 +2794,7 @@
           <a:p>
             <a:fld id="{BA05AF01-4F0E-4718-A4C1-DFCBB47EE5F2}" type="datetimeFigureOut">
               <a:rPr lang="en-US" smtClean="0"/>
-              <a:t>9/29/2021</a:t>
+              <a:t>10/25/2021</a:t>
             </a:fld>
             <a:endParaRPr lang="en-US"/>
           </a:p>
@@ -3007,7 +3007,7 @@
           <a:p>
             <a:fld id="{BA05AF01-4F0E-4718-A4C1-DFCBB47EE5F2}" type="datetimeFigureOut">
               <a:rPr lang="en-US" smtClean="0"/>
-              <a:t>9/29/2021</a:t>
+              <a:t>10/25/2021</a:t>
             </a:fld>
             <a:endParaRPr lang="en-US"/>
           </a:p>
@@ -3466,8 +3466,8 @@
           <a:xfrm>
             <a:off x="116098" y="41929"/>
             <a:ext cx="17629986" cy="9007101"/>
-            <a:chOff x="-1969544" y="-42562"/>
-            <a:chExt cx="17156494" cy="8437945"/>
+            <a:chOff x="-1969545" y="-42563"/>
+            <a:chExt cx="17156495" cy="8437952"/>
           </a:xfrm>
         </p:grpSpPr>
         <p:grpSp>
@@ -3484,8 +3484,8 @@
           </p:nvGrpSpPr>
           <p:grpSpPr>
             <a:xfrm>
-              <a:off x="3743587" y="5673271"/>
-              <a:ext cx="7208777" cy="2722112"/>
+              <a:off x="3743586" y="5673275"/>
+              <a:ext cx="7208778" cy="2722114"/>
               <a:chOff x="-75380" y="22339113"/>
               <a:chExt cx="6348952" cy="2270065"/>
             </a:xfrm>
@@ -4564,8 +4564,8 @@
               </p:style>
             </p:cxnSp>
           </p:grpSp>
-          <mc:AlternateContent xmlns:mc="http://schemas.openxmlformats.org/markup-compatibility/2006">
-            <mc:Choice xmlns:a14="http://schemas.microsoft.com/office/drawing/2010/main" Requires="a14">
+          <mc:AlternateContent xmlns:mc="http://schemas.openxmlformats.org/markup-compatibility/2006" xmlns:a14="http://schemas.microsoft.com/office/drawing/2010/main">
+            <mc:Choice Requires="a14">
               <p:sp>
                 <p:nvSpPr>
                   <p:cNvPr id="199" name="TextBox 198">
@@ -4639,7 +4639,7 @@
                 </p:txBody>
               </p:sp>
             </mc:Choice>
-            <mc:Fallback>
+            <mc:Fallback xmlns="">
               <p:sp>
                 <p:nvSpPr>
                   <p:cNvPr id="199" name="TextBox 198">
@@ -4684,8 +4684,8 @@
               </p:sp>
             </mc:Fallback>
           </mc:AlternateContent>
-          <mc:AlternateContent xmlns:mc="http://schemas.openxmlformats.org/markup-compatibility/2006">
-            <mc:Choice xmlns:a14="http://schemas.microsoft.com/office/drawing/2010/main" Requires="a14">
+          <mc:AlternateContent xmlns:mc="http://schemas.openxmlformats.org/markup-compatibility/2006" xmlns:a14="http://schemas.microsoft.com/office/drawing/2010/main">
+            <mc:Choice Requires="a14">
               <p:sp>
                 <p:nvSpPr>
                   <p:cNvPr id="200" name="TextBox 199">
@@ -4759,7 +4759,7 @@
                 </p:txBody>
               </p:sp>
             </mc:Choice>
-            <mc:Fallback>
+            <mc:Fallback xmlns="">
               <p:sp>
                 <p:nvSpPr>
                   <p:cNvPr id="200" name="TextBox 199">
@@ -4804,8 +4804,8 @@
               </p:sp>
             </mc:Fallback>
           </mc:AlternateContent>
-          <mc:AlternateContent xmlns:mc="http://schemas.openxmlformats.org/markup-compatibility/2006">
-            <mc:Choice xmlns:a14="http://schemas.microsoft.com/office/drawing/2010/main" Requires="a14">
+          <mc:AlternateContent xmlns:mc="http://schemas.openxmlformats.org/markup-compatibility/2006" xmlns:a14="http://schemas.microsoft.com/office/drawing/2010/main">
+            <mc:Choice Requires="a14">
               <p:sp>
                 <p:nvSpPr>
                   <p:cNvPr id="202" name="TextBox 201">
@@ -4879,7 +4879,7 @@
                 </p:txBody>
               </p:sp>
             </mc:Choice>
-            <mc:Fallback>
+            <mc:Fallback xmlns="">
               <p:sp>
                 <p:nvSpPr>
                   <p:cNvPr id="202" name="TextBox 201">
@@ -4924,8 +4924,8 @@
               </p:sp>
             </mc:Fallback>
           </mc:AlternateContent>
-          <mc:AlternateContent xmlns:mc="http://schemas.openxmlformats.org/markup-compatibility/2006">
-            <mc:Choice xmlns:a14="http://schemas.microsoft.com/office/drawing/2010/main" Requires="a14">
+          <mc:AlternateContent xmlns:mc="http://schemas.openxmlformats.org/markup-compatibility/2006" xmlns:a14="http://schemas.microsoft.com/office/drawing/2010/main">
+            <mc:Choice Requires="a14">
               <p:sp>
                 <p:nvSpPr>
                   <p:cNvPr id="203" name="TextBox 202">
@@ -4999,7 +4999,7 @@
                 </p:txBody>
               </p:sp>
             </mc:Choice>
-            <mc:Fallback>
+            <mc:Fallback xmlns="">
               <p:sp>
                 <p:nvSpPr>
                   <p:cNvPr id="203" name="TextBox 202">
@@ -5275,8 +5275,8 @@
           </p:blipFill>
           <p:spPr>
             <a:xfrm>
-              <a:off x="12604825" y="2312461"/>
-              <a:ext cx="2582125" cy="761880"/>
+              <a:off x="12604824" y="2312462"/>
+              <a:ext cx="2582126" cy="761880"/>
             </a:xfrm>
             <a:prstGeom prst="rect">
               <a:avLst/>
@@ -5297,8 +5297,8 @@
           </p:nvGrpSpPr>
           <p:grpSpPr>
             <a:xfrm>
-              <a:off x="735290" y="187793"/>
-              <a:ext cx="4913975" cy="5123845"/>
+              <a:off x="735289" y="187792"/>
+              <a:ext cx="4913975" cy="5123849"/>
               <a:chOff x="1252293" y="16461395"/>
               <a:chExt cx="4913976" cy="4891687"/>
             </a:xfrm>
@@ -6744,14 +6744,14 @@
           </p:nvGrpSpPr>
           <p:grpSpPr>
             <a:xfrm>
-              <a:off x="32704" y="1141482"/>
-              <a:ext cx="1172500" cy="3091661"/>
+              <a:off x="32703" y="1141482"/>
+              <a:ext cx="1172500" cy="3091664"/>
               <a:chOff x="142050" y="17208259"/>
               <a:chExt cx="1172501" cy="2951581"/>
             </a:xfrm>
           </p:grpSpPr>
-          <mc:AlternateContent xmlns:mc="http://schemas.openxmlformats.org/markup-compatibility/2006">
-            <mc:Choice xmlns:a14="http://schemas.microsoft.com/office/drawing/2010/main" Requires="a14">
+          <mc:AlternateContent xmlns:mc="http://schemas.openxmlformats.org/markup-compatibility/2006" xmlns:a14="http://schemas.microsoft.com/office/drawing/2010/main">
+            <mc:Choice Requires="a14">
               <p:sp>
                 <p:nvSpPr>
                   <p:cNvPr id="179" name="TextBox 178">
@@ -6825,7 +6825,7 @@
                 </p:txBody>
               </p:sp>
             </mc:Choice>
-            <mc:Fallback>
+            <mc:Fallback xmlns="">
               <p:sp>
                 <p:nvSpPr>
                   <p:cNvPr id="179" name="TextBox 178">
@@ -6870,8 +6870,8 @@
               </p:sp>
             </mc:Fallback>
           </mc:AlternateContent>
-          <mc:AlternateContent xmlns:mc="http://schemas.openxmlformats.org/markup-compatibility/2006">
-            <mc:Choice xmlns:a14="http://schemas.microsoft.com/office/drawing/2010/main" Requires="a14">
+          <mc:AlternateContent xmlns:mc="http://schemas.openxmlformats.org/markup-compatibility/2006" xmlns:a14="http://schemas.microsoft.com/office/drawing/2010/main">
+            <mc:Choice Requires="a14">
               <p:sp>
                 <p:nvSpPr>
                   <p:cNvPr id="180" name="TextBox 179">
@@ -6945,7 +6945,7 @@
                 </p:txBody>
               </p:sp>
             </mc:Choice>
-            <mc:Fallback>
+            <mc:Fallback xmlns="">
               <p:sp>
                 <p:nvSpPr>
                   <p:cNvPr id="180" name="TextBox 179">
@@ -7014,7 +7014,7 @@
           <p:spPr>
             <a:xfrm>
               <a:off x="8062003" y="1209244"/>
-              <a:ext cx="4121347" cy="970099"/>
+              <a:ext cx="4121348" cy="970100"/>
             </a:xfrm>
             <a:prstGeom prst="rect">
               <a:avLst/>
@@ -7043,8 +7043,8 @@
           </p:blipFill>
           <p:spPr>
             <a:xfrm>
-              <a:off x="8089460" y="3095538"/>
-              <a:ext cx="4143741" cy="1020549"/>
+              <a:off x="8089460" y="3095540"/>
+              <a:ext cx="4143742" cy="1020550"/>
             </a:xfrm>
             <a:prstGeom prst="rect">
               <a:avLst/>
@@ -7065,8 +7065,8 @@
           </p:nvSpPr>
           <p:spPr>
             <a:xfrm>
-              <a:off x="5807679" y="2284204"/>
-              <a:ext cx="2010572" cy="865235"/>
+              <a:off x="5807678" y="2284205"/>
+              <a:ext cx="2010572" cy="865236"/>
             </a:xfrm>
             <a:prstGeom prst="roundRect">
               <a:avLst/>
@@ -7129,7 +7129,7 @@
           </p:nvCxnSpPr>
           <p:spPr>
             <a:xfrm>
-              <a:off x="5168002" y="1447401"/>
+              <a:off x="5168001" y="1447401"/>
               <a:ext cx="657974" cy="881520"/>
             </a:xfrm>
             <a:prstGeom prst="straightConnector1">
@@ -7171,8 +7171,8 @@
           </p:nvCxnSpPr>
           <p:spPr>
             <a:xfrm flipV="1">
-              <a:off x="5066658" y="3149439"/>
-              <a:ext cx="787731" cy="902592"/>
+              <a:off x="5066657" y="3149441"/>
+              <a:ext cx="787731" cy="902593"/>
             </a:xfrm>
             <a:prstGeom prst="straightConnector1">
               <a:avLst/>
@@ -7213,7 +7213,7 @@
           <p:spPr>
             <a:xfrm flipV="1">
               <a:off x="7762098" y="2035723"/>
-              <a:ext cx="405973" cy="276738"/>
+              <a:ext cx="405973" cy="276739"/>
             </a:xfrm>
             <a:prstGeom prst="straightConnector1">
               <a:avLst/>
@@ -7253,7 +7253,7 @@
           </p:nvCxnSpPr>
           <p:spPr>
             <a:xfrm>
-              <a:off x="7772592" y="3096098"/>
+              <a:off x="7772591" y="3096100"/>
               <a:ext cx="340718" cy="298067"/>
             </a:xfrm>
             <a:prstGeom prst="straightConnector1">
@@ -7293,7 +7293,7 @@
           <p:spPr>
             <a:xfrm>
               <a:off x="12265091" y="1499979"/>
-              <a:ext cx="278252" cy="2299071"/>
+              <a:ext cx="278252" cy="2299073"/>
             </a:xfrm>
             <a:prstGeom prst="rightBrace">
               <a:avLst/>
@@ -7336,7 +7336,7 @@
           </p:nvSpPr>
           <p:spPr>
             <a:xfrm>
-              <a:off x="-1969544" y="-42562"/>
+              <a:off x="-1969545" y="-42563"/>
               <a:ext cx="404865" cy="609278"/>
             </a:xfrm>
             <a:prstGeom prst="rect">
@@ -7374,7 +7374,7 @@
           </p:nvSpPr>
           <p:spPr>
             <a:xfrm>
-              <a:off x="815307" y="6604300"/>
+              <a:off x="815306" y="6604305"/>
               <a:ext cx="1265142" cy="381900"/>
             </a:xfrm>
             <a:prstGeom prst="rect">
@@ -7412,7 +7412,7 @@
           </p:nvSpPr>
           <p:spPr>
             <a:xfrm>
-              <a:off x="815307" y="7165106"/>
+              <a:off x="815306" y="7165111"/>
               <a:ext cx="1265142" cy="381900"/>
             </a:xfrm>
             <a:prstGeom prst="rect">
@@ -7450,7 +7450,7 @@
           </p:nvSpPr>
           <p:spPr>
             <a:xfrm>
-              <a:off x="176" y="1452264"/>
+              <a:off x="175" y="1452265"/>
               <a:ext cx="991755" cy="382024"/>
             </a:xfrm>
             <a:prstGeom prst="rect">
@@ -7488,7 +7488,7 @@
           </p:nvSpPr>
           <p:spPr>
             <a:xfrm>
-              <a:off x="38154" y="4305764"/>
+              <a:off x="38153" y="4305767"/>
               <a:ext cx="1090422" cy="382024"/>
             </a:xfrm>
             <a:prstGeom prst="rect">
@@ -7526,7 +7526,7 @@
           </p:nvSpPr>
           <p:spPr>
             <a:xfrm>
-              <a:off x="251882" y="7159264"/>
+              <a:off x="251882" y="7159269"/>
               <a:ext cx="364294" cy="342543"/>
             </a:xfrm>
             <a:prstGeom prst="ellipse">
@@ -7578,7 +7578,7 @@
           </p:nvSpPr>
           <p:spPr>
             <a:xfrm>
-              <a:off x="249157" y="6647772"/>
+              <a:off x="249157" y="6647777"/>
               <a:ext cx="364294" cy="342543"/>
             </a:xfrm>
             <a:prstGeom prst="ellipse">

--- a/Images/fig1b.pptx
+++ b/Images/fig1b.pptx
@@ -197,7 +197,7 @@
           <a:p>
             <a:fld id="{D34CEA9E-E5A5-49C8-A578-AF124664FEC0}" type="datetimeFigureOut">
               <a:rPr lang="en-US" smtClean="0"/>
-              <a:t>10/25/2021</a:t>
+              <a:t>10/28/2021</a:t>
             </a:fld>
             <a:endParaRPr lang="en-US"/>
           </a:p>
@@ -684,7 +684,7 @@
           <a:p>
             <a:fld id="{BA05AF01-4F0E-4718-A4C1-DFCBB47EE5F2}" type="datetimeFigureOut">
               <a:rPr lang="en-US" smtClean="0"/>
-              <a:t>10/25/2021</a:t>
+              <a:t>10/28/2021</a:t>
             </a:fld>
             <a:endParaRPr lang="en-US"/>
           </a:p>
@@ -854,7 +854,7 @@
           <a:p>
             <a:fld id="{BA05AF01-4F0E-4718-A4C1-DFCBB47EE5F2}" type="datetimeFigureOut">
               <a:rPr lang="en-US" smtClean="0"/>
-              <a:t>10/25/2021</a:t>
+              <a:t>10/28/2021</a:t>
             </a:fld>
             <a:endParaRPr lang="en-US"/>
           </a:p>
@@ -1034,7 +1034,7 @@
           <a:p>
             <a:fld id="{BA05AF01-4F0E-4718-A4C1-DFCBB47EE5F2}" type="datetimeFigureOut">
               <a:rPr lang="en-US" smtClean="0"/>
-              <a:t>10/25/2021</a:t>
+              <a:t>10/28/2021</a:t>
             </a:fld>
             <a:endParaRPr lang="en-US"/>
           </a:p>
@@ -1204,7 +1204,7 @@
           <a:p>
             <a:fld id="{BA05AF01-4F0E-4718-A4C1-DFCBB47EE5F2}" type="datetimeFigureOut">
               <a:rPr lang="en-US" smtClean="0"/>
-              <a:t>10/25/2021</a:t>
+              <a:t>10/28/2021</a:t>
             </a:fld>
             <a:endParaRPr lang="en-US"/>
           </a:p>
@@ -1448,7 +1448,7 @@
           <a:p>
             <a:fld id="{BA05AF01-4F0E-4718-A4C1-DFCBB47EE5F2}" type="datetimeFigureOut">
               <a:rPr lang="en-US" smtClean="0"/>
-              <a:t>10/25/2021</a:t>
+              <a:t>10/28/2021</a:t>
             </a:fld>
             <a:endParaRPr lang="en-US"/>
           </a:p>
@@ -1680,7 +1680,7 @@
           <a:p>
             <a:fld id="{BA05AF01-4F0E-4718-A4C1-DFCBB47EE5F2}" type="datetimeFigureOut">
               <a:rPr lang="en-US" smtClean="0"/>
-              <a:t>10/25/2021</a:t>
+              <a:t>10/28/2021</a:t>
             </a:fld>
             <a:endParaRPr lang="en-US"/>
           </a:p>
@@ -2047,7 +2047,7 @@
           <a:p>
             <a:fld id="{BA05AF01-4F0E-4718-A4C1-DFCBB47EE5F2}" type="datetimeFigureOut">
               <a:rPr lang="en-US" smtClean="0"/>
-              <a:t>10/25/2021</a:t>
+              <a:t>10/28/2021</a:t>
             </a:fld>
             <a:endParaRPr lang="en-US"/>
           </a:p>
@@ -2165,7 +2165,7 @@
           <a:p>
             <a:fld id="{BA05AF01-4F0E-4718-A4C1-DFCBB47EE5F2}" type="datetimeFigureOut">
               <a:rPr lang="en-US" smtClean="0"/>
-              <a:t>10/25/2021</a:t>
+              <a:t>10/28/2021</a:t>
             </a:fld>
             <a:endParaRPr lang="en-US"/>
           </a:p>
@@ -2260,7 +2260,7 @@
           <a:p>
             <a:fld id="{BA05AF01-4F0E-4718-A4C1-DFCBB47EE5F2}" type="datetimeFigureOut">
               <a:rPr lang="en-US" smtClean="0"/>
-              <a:t>10/25/2021</a:t>
+              <a:t>10/28/2021</a:t>
             </a:fld>
             <a:endParaRPr lang="en-US"/>
           </a:p>
@@ -2537,7 +2537,7 @@
           <a:p>
             <a:fld id="{BA05AF01-4F0E-4718-A4C1-DFCBB47EE5F2}" type="datetimeFigureOut">
               <a:rPr lang="en-US" smtClean="0"/>
-              <a:t>10/25/2021</a:t>
+              <a:t>10/28/2021</a:t>
             </a:fld>
             <a:endParaRPr lang="en-US"/>
           </a:p>
@@ -2794,7 +2794,7 @@
           <a:p>
             <a:fld id="{BA05AF01-4F0E-4718-A4C1-DFCBB47EE5F2}" type="datetimeFigureOut">
               <a:rPr lang="en-US" smtClean="0"/>
-              <a:t>10/25/2021</a:t>
+              <a:t>10/28/2021</a:t>
             </a:fld>
             <a:endParaRPr lang="en-US"/>
           </a:p>
@@ -3007,7 +3007,7 @@
           <a:p>
             <a:fld id="{BA05AF01-4F0E-4718-A4C1-DFCBB47EE5F2}" type="datetimeFigureOut">
               <a:rPr lang="en-US" smtClean="0"/>
-              <a:t>10/25/2021</a:t>
+              <a:t>10/28/2021</a:t>
             </a:fld>
             <a:endParaRPr lang="en-US"/>
           </a:p>
@@ -3465,9 +3465,9 @@
         <p:grpSpPr>
           <a:xfrm>
             <a:off x="116098" y="41929"/>
-            <a:ext cx="17629986" cy="9007101"/>
+            <a:ext cx="14913420" cy="9007101"/>
             <a:chOff x="-1969545" y="-42563"/>
-            <a:chExt cx="17156495" cy="8437952"/>
+            <a:chExt cx="14512888" cy="8437952"/>
           </a:xfrm>
         </p:grpSpPr>
         <p:grpSp>
@@ -5253,36 +5253,6 @@
             </p:txBody>
           </p:sp>
         </p:grpSp>
-        <p:pic>
-          <p:nvPicPr>
-            <p:cNvPr id="228" name="Picture 227">
-              <a:extLst>
-                <a:ext uri="{FF2B5EF4-FFF2-40B4-BE49-F238E27FC236}">
-                  <a16:creationId xmlns:a16="http://schemas.microsoft.com/office/drawing/2014/main" id="{3EFA28C1-78A3-47CB-A13A-DD2BC0CCA4E4}"/>
-                </a:ext>
-              </a:extLst>
-            </p:cNvPr>
-            <p:cNvPicPr>
-              <a:picLocks noChangeAspect="1"/>
-            </p:cNvPicPr>
-            <p:nvPr/>
-          </p:nvPicPr>
-          <p:blipFill>
-            <a:blip r:embed="rId7"/>
-            <a:stretch>
-              <a:fillRect/>
-            </a:stretch>
-          </p:blipFill>
-          <p:spPr>
-            <a:xfrm>
-              <a:off x="12604824" y="2312462"/>
-              <a:ext cx="2582126" cy="761880"/>
-            </a:xfrm>
-            <a:prstGeom prst="rect">
-              <a:avLst/>
-            </a:prstGeom>
-          </p:spPr>
-        </p:pic>
         <p:grpSp>
           <p:nvGrpSpPr>
             <p:cNvPr id="237" name="Group 236">
@@ -8662,6 +8632,36 @@
           </p:txBody>
         </p:sp>
       </p:grpSp>
+      <p:pic>
+        <p:nvPicPr>
+          <p:cNvPr id="13" name="Picture 12">
+            <a:extLst>
+              <a:ext uri="{FF2B5EF4-FFF2-40B4-BE49-F238E27FC236}">
+                <a16:creationId xmlns:a16="http://schemas.microsoft.com/office/drawing/2014/main" id="{30063468-A22A-477F-B3E1-CE519C0B85B3}"/>
+              </a:ext>
+            </a:extLst>
+          </p:cNvPr>
+          <p:cNvPicPr>
+            <a:picLocks noChangeAspect="1"/>
+          </p:cNvPicPr>
+          <p:nvPr/>
+        </p:nvPicPr>
+        <p:blipFill>
+          <a:blip r:embed="rId15"/>
+          <a:stretch>
+            <a:fillRect/>
+          </a:stretch>
+        </p:blipFill>
+        <p:spPr>
+          <a:xfrm>
+            <a:off x="15229905" y="2491115"/>
+            <a:ext cx="2400300" cy="742950"/>
+          </a:xfrm>
+          <a:prstGeom prst="rect">
+            <a:avLst/>
+          </a:prstGeom>
+        </p:spPr>
+      </p:pic>
     </p:spTree>
     <p:extLst>
       <p:ext uri="{BB962C8B-B14F-4D97-AF65-F5344CB8AC3E}">
